--- a/2012223040119-Defense-20150515-goahead.pptx
+++ b/2012223040119-Defense-20150515-goahead.pptx
@@ -5,7 +5,7 @@
     <p:sldMasterId id="2147483700" r:id="rId1"/>
   </p:sldMasterIdLst>
   <p:notesMasterIdLst>
-    <p:notesMasterId r:id="rId30"/>
+    <p:notesMasterId r:id="rId33"/>
   </p:notesMasterIdLst>
   <p:sldIdLst>
     <p:sldId id="256" r:id="rId2"/>
@@ -31,11 +31,14 @@
     <p:sldId id="382" r:id="rId22"/>
     <p:sldId id="383" r:id="rId23"/>
     <p:sldId id="389" r:id="rId24"/>
-    <p:sldId id="364" r:id="rId25"/>
-    <p:sldId id="385" r:id="rId26"/>
-    <p:sldId id="386" r:id="rId27"/>
-    <p:sldId id="365" r:id="rId28"/>
-    <p:sldId id="366" r:id="rId29"/>
+    <p:sldId id="392" r:id="rId25"/>
+    <p:sldId id="364" r:id="rId26"/>
+    <p:sldId id="390" r:id="rId27"/>
+    <p:sldId id="385" r:id="rId28"/>
+    <p:sldId id="391" r:id="rId29"/>
+    <p:sldId id="386" r:id="rId30"/>
+    <p:sldId id="365" r:id="rId31"/>
+    <p:sldId id="366" r:id="rId32"/>
   </p:sldIdLst>
   <p:sldSz cx="9144000" cy="6858000" type="screen4x3"/>
   <p:notesSz cx="6858000" cy="9144000"/>
@@ -421,12 +424,12 @@
         </c:dLbls>
         <c:marker val="1"/>
         <c:smooth val="0"/>
-        <c:axId val="206317856"/>
-        <c:axId val="206318416"/>
+        <c:axId val="207422296"/>
+        <c:axId val="207421904"/>
         <c:extLst/>
       </c:lineChart>
       <c:catAx>
-        <c:axId val="206317856"/>
+        <c:axId val="207422296"/>
         <c:scaling>
           <c:orientation val="minMax"/>
         </c:scaling>
@@ -472,7 +475,6 @@
               </a:p>
             </c:rich>
           </c:tx>
-          <c:layout/>
           <c:overlay val="0"/>
           <c:spPr>
             <a:noFill/>
@@ -539,7 +541,7 @@
             <a:endParaRPr lang="zh-CN"/>
           </a:p>
         </c:txPr>
-        <c:crossAx val="206318416"/>
+        <c:crossAx val="207421904"/>
         <c:crosses val="autoZero"/>
         <c:auto val="1"/>
         <c:lblAlgn val="ctr"/>
@@ -547,7 +549,7 @@
         <c:noMultiLvlLbl val="0"/>
       </c:catAx>
       <c:valAx>
-        <c:axId val="206318416"/>
+        <c:axId val="207421904"/>
         <c:scaling>
           <c:orientation val="minMax"/>
         </c:scaling>
@@ -579,7 +581,6 @@
               </a:p>
             </c:rich>
           </c:tx>
-          <c:layout/>
           <c:overlay val="0"/>
           <c:spPr>
             <a:noFill/>
@@ -646,7 +647,7 @@
             <a:endParaRPr lang="zh-CN"/>
           </a:p>
         </c:txPr>
-        <c:crossAx val="206317856"/>
+        <c:crossAx val="207422296"/>
         <c:crosses val="autoZero"/>
         <c:crossBetween val="between"/>
       </c:valAx>
@@ -660,7 +661,6 @@
     </c:plotArea>
     <c:legend>
       <c:legendPos val="t"/>
-      <c:layout/>
       <c:overlay val="0"/>
       <c:spPr>
         <a:noFill/>
@@ -985,12 +985,12 @@
         </c:dLbls>
         <c:marker val="1"/>
         <c:smooth val="0"/>
-        <c:axId val="206321216"/>
-        <c:axId val="206321776"/>
+        <c:axId val="207423080"/>
+        <c:axId val="207425040"/>
         <c:extLst/>
       </c:lineChart>
       <c:catAx>
-        <c:axId val="206321216"/>
+        <c:axId val="207423080"/>
         <c:scaling>
           <c:orientation val="minMax"/>
         </c:scaling>
@@ -1036,7 +1036,6 @@
               </a:p>
             </c:rich>
           </c:tx>
-          <c:layout/>
           <c:overlay val="0"/>
           <c:spPr>
             <a:noFill/>
@@ -1103,7 +1102,7 @@
             <a:endParaRPr lang="zh-CN"/>
           </a:p>
         </c:txPr>
-        <c:crossAx val="206321776"/>
+        <c:crossAx val="207425040"/>
         <c:crosses val="autoZero"/>
         <c:auto val="1"/>
         <c:lblAlgn val="ctr"/>
@@ -1111,7 +1110,7 @@
         <c:noMultiLvlLbl val="0"/>
       </c:catAx>
       <c:valAx>
-        <c:axId val="206321776"/>
+        <c:axId val="207425040"/>
         <c:scaling>
           <c:orientation val="minMax"/>
         </c:scaling>
@@ -1143,7 +1142,6 @@
               </a:p>
             </c:rich>
           </c:tx>
-          <c:layout/>
           <c:overlay val="0"/>
           <c:spPr>
             <a:noFill/>
@@ -1210,7 +1208,7 @@
             <a:endParaRPr lang="zh-CN"/>
           </a:p>
         </c:txPr>
-        <c:crossAx val="206321216"/>
+        <c:crossAx val="207423080"/>
         <c:crosses val="autoZero"/>
         <c:crossBetween val="between"/>
       </c:valAx>
@@ -1224,7 +1222,6 @@
     </c:plotArea>
     <c:legend>
       <c:legendPos val="t"/>
-      <c:layout/>
       <c:overlay val="0"/>
       <c:spPr>
         <a:noFill/>
@@ -1668,12 +1665,12 @@
         </c:dLbls>
         <c:marker val="1"/>
         <c:smooth val="0"/>
-        <c:axId val="206325136"/>
-        <c:axId val="206325696"/>
+        <c:axId val="292528240"/>
+        <c:axId val="292528632"/>
         <c:extLst/>
       </c:lineChart>
       <c:catAx>
-        <c:axId val="206325136"/>
+        <c:axId val="292528240"/>
         <c:scaling>
           <c:orientation val="minMax"/>
         </c:scaling>
@@ -1719,7 +1716,6 @@
               </a:p>
             </c:rich>
           </c:tx>
-          <c:layout/>
           <c:overlay val="0"/>
           <c:spPr>
             <a:noFill/>
@@ -1786,7 +1782,7 @@
             <a:endParaRPr lang="zh-CN"/>
           </a:p>
         </c:txPr>
-        <c:crossAx val="206325696"/>
+        <c:crossAx val="292528632"/>
         <c:crosses val="autoZero"/>
         <c:auto val="1"/>
         <c:lblAlgn val="ctr"/>
@@ -1794,7 +1790,7 @@
         <c:noMultiLvlLbl val="0"/>
       </c:catAx>
       <c:valAx>
-        <c:axId val="206325696"/>
+        <c:axId val="292528632"/>
         <c:scaling>
           <c:orientation val="minMax"/>
         </c:scaling>
@@ -1826,7 +1822,6 @@
               </a:p>
             </c:rich>
           </c:tx>
-          <c:layout/>
           <c:overlay val="0"/>
           <c:spPr>
             <a:noFill/>
@@ -1893,7 +1888,7 @@
             <a:endParaRPr lang="zh-CN"/>
           </a:p>
         </c:txPr>
-        <c:crossAx val="206325136"/>
+        <c:crossAx val="292528240"/>
         <c:crosses val="autoZero"/>
         <c:crossBetween val="between"/>
       </c:valAx>
@@ -1907,7 +1902,6 @@
     </c:plotArea>
     <c:legend>
       <c:legendPos val="t"/>
-      <c:layout/>
       <c:overlay val="0"/>
       <c:spPr>
         <a:noFill/>
@@ -2351,12 +2345,12 @@
         </c:dLbls>
         <c:marker val="1"/>
         <c:smooth val="0"/>
-        <c:axId val="206329056"/>
-        <c:axId val="206329616"/>
+        <c:axId val="292529416"/>
+        <c:axId val="292529808"/>
         <c:extLst/>
       </c:lineChart>
       <c:catAx>
-        <c:axId val="206329056"/>
+        <c:axId val="292529416"/>
         <c:scaling>
           <c:orientation val="minMax"/>
         </c:scaling>
@@ -2402,7 +2396,6 @@
               </a:p>
             </c:rich>
           </c:tx>
-          <c:layout/>
           <c:overlay val="0"/>
           <c:spPr>
             <a:noFill/>
@@ -2469,7 +2462,7 @@
             <a:endParaRPr lang="zh-CN"/>
           </a:p>
         </c:txPr>
-        <c:crossAx val="206329616"/>
+        <c:crossAx val="292529808"/>
         <c:crosses val="autoZero"/>
         <c:auto val="1"/>
         <c:lblAlgn val="ctr"/>
@@ -2477,7 +2470,7 @@
         <c:noMultiLvlLbl val="0"/>
       </c:catAx>
       <c:valAx>
-        <c:axId val="206329616"/>
+        <c:axId val="292529808"/>
         <c:scaling>
           <c:orientation val="minMax"/>
         </c:scaling>
@@ -2509,7 +2502,6 @@
               </a:p>
             </c:rich>
           </c:tx>
-          <c:layout/>
           <c:overlay val="0"/>
           <c:spPr>
             <a:noFill/>
@@ -2576,7 +2568,7 @@
             <a:endParaRPr lang="zh-CN"/>
           </a:p>
         </c:txPr>
-        <c:crossAx val="206329056"/>
+        <c:crossAx val="292529416"/>
         <c:crosses val="autoZero"/>
         <c:crossBetween val="between"/>
       </c:valAx>
@@ -2590,7 +2582,6 @@
     </c:plotArea>
     <c:legend>
       <c:legendPos val="t"/>
-      <c:layout/>
       <c:overlay val="0"/>
       <c:spPr>
         <a:noFill/>
@@ -6607,11 +6598,7 @@
         <a:p>
           <a:r>
             <a:rPr lang="zh-CN" altLang="en-US" b="1" dirty="0" smtClean="0"/>
-            <a:t>链接</a:t>
-          </a:r>
-          <a:r>
-            <a:rPr lang="zh-CN" altLang="en-US" b="1" dirty="0" smtClean="0"/>
-            <a:t>优先级计算</a:t>
+            <a:t>链接优先级计算</a:t>
           </a:r>
           <a:endParaRPr lang="zh-CN" altLang="en-US" b="1" dirty="0"/>
         </a:p>
@@ -7183,660 +7170,6 @@
       <dsp:cNvGrpSpPr/>
     </dsp:nvGrpSpPr>
     <dsp:grpSpPr/>
-    <dsp:sp modelId="{72F20F0E-B3A1-4E5C-806D-1C795309D4EA}">
-      <dsp:nvSpPr>
-        <dsp:cNvPr id="0" name=""/>
-        <dsp:cNvSpPr/>
-      </dsp:nvSpPr>
-      <dsp:spPr>
-        <a:xfrm>
-          <a:off x="-4548356" y="-697417"/>
-          <a:ext cx="5418195" cy="5418195"/>
-        </a:xfrm>
-        <a:prstGeom prst="blockArc">
-          <a:avLst>
-            <a:gd name="adj1" fmla="val 18900000"/>
-            <a:gd name="adj2" fmla="val 2700000"/>
-            <a:gd name="adj3" fmla="val 399"/>
-          </a:avLst>
-        </a:prstGeom>
-        <a:noFill/>
-        <a:ln w="15875" cap="flat" cmpd="sng" algn="ctr">
-          <a:solidFill>
-            <a:schemeClr val="accent1">
-              <a:shade val="60000"/>
-              <a:hueOff val="0"/>
-              <a:satOff val="0"/>
-              <a:lumOff val="0"/>
-              <a:alphaOff val="0"/>
-            </a:schemeClr>
-          </a:solidFill>
-          <a:prstDash val="solid"/>
-        </a:ln>
-        <a:effectLst/>
-      </dsp:spPr>
-      <dsp:style>
-        <a:lnRef idx="2">
-          <a:scrgbClr r="0" g="0" b="0"/>
-        </a:lnRef>
-        <a:fillRef idx="0">
-          <a:scrgbClr r="0" g="0" b="0"/>
-        </a:fillRef>
-        <a:effectRef idx="0">
-          <a:scrgbClr r="0" g="0" b="0"/>
-        </a:effectRef>
-        <a:fontRef idx="minor"/>
-      </dsp:style>
-    </dsp:sp>
-    <dsp:sp modelId="{A0F9EBD7-73B6-423D-AEC5-47EF7E191138}">
-      <dsp:nvSpPr>
-        <dsp:cNvPr id="0" name=""/>
-        <dsp:cNvSpPr/>
-      </dsp:nvSpPr>
-      <dsp:spPr>
-        <a:xfrm>
-          <a:off x="380782" y="251379"/>
-          <a:ext cx="6981496" cy="503080"/>
-        </a:xfrm>
-        <a:prstGeom prst="rect">
-          <a:avLst/>
-        </a:prstGeom>
-        <a:solidFill>
-          <a:schemeClr val="accent1">
-            <a:hueOff val="0"/>
-            <a:satOff val="0"/>
-            <a:lumOff val="0"/>
-            <a:alphaOff val="0"/>
-          </a:schemeClr>
-        </a:solidFill>
-        <a:ln w="15875" cap="flat" cmpd="sng" algn="ctr">
-          <a:solidFill>
-            <a:schemeClr val="lt1">
-              <a:hueOff val="0"/>
-              <a:satOff val="0"/>
-              <a:lumOff val="0"/>
-              <a:alphaOff val="0"/>
-            </a:schemeClr>
-          </a:solidFill>
-          <a:prstDash val="solid"/>
-        </a:ln>
-        <a:effectLst/>
-      </dsp:spPr>
-      <dsp:style>
-        <a:lnRef idx="2">
-          <a:scrgbClr r="0" g="0" b="0"/>
-        </a:lnRef>
-        <a:fillRef idx="1">
-          <a:scrgbClr r="0" g="0" b="0"/>
-        </a:fillRef>
-        <a:effectRef idx="0">
-          <a:scrgbClr r="0" g="0" b="0"/>
-        </a:effectRef>
-        <a:fontRef idx="minor">
-          <a:schemeClr val="lt1"/>
-        </a:fontRef>
-      </dsp:style>
-      <dsp:txBody>
-        <a:bodyPr spcFirstLastPara="0" vert="horz" wrap="square" lIns="399320" tIns="55880" rIns="55880" bIns="55880" numCol="1" spcCol="1270" anchor="ctr" anchorCtr="0">
-          <a:noAutofit/>
-        </a:bodyPr>
-        <a:lstStyle/>
-        <a:p>
-          <a:pPr lvl="0" algn="l" defTabSz="977900" rtl="0">
-            <a:lnSpc>
-              <a:spcPct val="90000"/>
-            </a:lnSpc>
-            <a:spcBef>
-              <a:spcPct val="0"/>
-            </a:spcBef>
-            <a:spcAft>
-              <a:spcPct val="35000"/>
-            </a:spcAft>
-          </a:pPr>
-          <a:r>
-            <a:rPr lang="zh-CN" sz="2200" b="0" kern="1200" dirty="0" smtClean="0"/>
-            <a:t>选题背景及意义</a:t>
-          </a:r>
-          <a:endParaRPr lang="zh-CN" sz="2200" b="0" kern="1200" dirty="0"/>
-        </a:p>
-      </dsp:txBody>
-      <dsp:txXfrm>
-        <a:off x="380782" y="251379"/>
-        <a:ext cx="6981496" cy="503080"/>
-      </dsp:txXfrm>
-    </dsp:sp>
-    <dsp:sp modelId="{D5FB1A4B-61E0-4BEC-A3A7-2498BEC069B2}">
-      <dsp:nvSpPr>
-        <dsp:cNvPr id="0" name=""/>
-        <dsp:cNvSpPr/>
-      </dsp:nvSpPr>
-      <dsp:spPr>
-        <a:xfrm>
-          <a:off x="66357" y="188494"/>
-          <a:ext cx="628851" cy="628851"/>
-        </a:xfrm>
-        <a:prstGeom prst="ellipse">
-          <a:avLst/>
-        </a:prstGeom>
-        <a:solidFill>
-          <a:schemeClr val="lt1">
-            <a:hueOff val="0"/>
-            <a:satOff val="0"/>
-            <a:lumOff val="0"/>
-            <a:alphaOff val="0"/>
-          </a:schemeClr>
-        </a:solidFill>
-        <a:ln w="15875" cap="flat" cmpd="sng" algn="ctr">
-          <a:solidFill>
-            <a:schemeClr val="accent1">
-              <a:hueOff val="0"/>
-              <a:satOff val="0"/>
-              <a:lumOff val="0"/>
-              <a:alphaOff val="0"/>
-            </a:schemeClr>
-          </a:solidFill>
-          <a:prstDash val="solid"/>
-        </a:ln>
-        <a:effectLst/>
-      </dsp:spPr>
-      <dsp:style>
-        <a:lnRef idx="2">
-          <a:scrgbClr r="0" g="0" b="0"/>
-        </a:lnRef>
-        <a:fillRef idx="1">
-          <a:scrgbClr r="0" g="0" b="0"/>
-        </a:fillRef>
-        <a:effectRef idx="0">
-          <a:scrgbClr r="0" g="0" b="0"/>
-        </a:effectRef>
-        <a:fontRef idx="minor"/>
-      </dsp:style>
-    </dsp:sp>
-    <dsp:sp modelId="{E9F46185-02A8-4ACA-81BC-ACE27460DDB3}">
-      <dsp:nvSpPr>
-        <dsp:cNvPr id="0" name=""/>
-        <dsp:cNvSpPr/>
-      </dsp:nvSpPr>
-      <dsp:spPr>
-        <a:xfrm>
-          <a:off x="741275" y="1005759"/>
-          <a:ext cx="6621003" cy="503080"/>
-        </a:xfrm>
-        <a:prstGeom prst="rect">
-          <a:avLst/>
-        </a:prstGeom>
-        <a:solidFill>
-          <a:srgbClr val="C00000"/>
-        </a:solidFill>
-        <a:ln w="15875" cap="flat" cmpd="sng" algn="ctr">
-          <a:solidFill>
-            <a:schemeClr val="lt1">
-              <a:hueOff val="0"/>
-              <a:satOff val="0"/>
-              <a:lumOff val="0"/>
-              <a:alphaOff val="0"/>
-            </a:schemeClr>
-          </a:solidFill>
-          <a:prstDash val="solid"/>
-        </a:ln>
-        <a:effectLst/>
-      </dsp:spPr>
-      <dsp:style>
-        <a:lnRef idx="2">
-          <a:scrgbClr r="0" g="0" b="0"/>
-        </a:lnRef>
-        <a:fillRef idx="1">
-          <a:scrgbClr r="0" g="0" b="0"/>
-        </a:fillRef>
-        <a:effectRef idx="0">
-          <a:scrgbClr r="0" g="0" b="0"/>
-        </a:effectRef>
-        <a:fontRef idx="minor">
-          <a:schemeClr val="lt1"/>
-        </a:fontRef>
-      </dsp:style>
-      <dsp:txBody>
-        <a:bodyPr spcFirstLastPara="0" vert="horz" wrap="square" lIns="399320" tIns="55880" rIns="55880" bIns="55880" numCol="1" spcCol="1270" anchor="ctr" anchorCtr="0">
-          <a:noAutofit/>
-        </a:bodyPr>
-        <a:lstStyle/>
-        <a:p>
-          <a:pPr lvl="0" algn="l" defTabSz="977900" rtl="0">
-            <a:lnSpc>
-              <a:spcPct val="90000"/>
-            </a:lnSpc>
-            <a:spcBef>
-              <a:spcPct val="0"/>
-            </a:spcBef>
-            <a:spcAft>
-              <a:spcPct val="35000"/>
-            </a:spcAft>
-          </a:pPr>
-          <a:r>
-            <a:rPr lang="zh-CN" altLang="en-US" sz="2200" b="1" kern="1200" dirty="0" smtClean="0"/>
-            <a:t>页面主题相关度计算</a:t>
-          </a:r>
-          <a:endParaRPr lang="zh-CN" sz="2200" b="1" kern="1200" dirty="0"/>
-        </a:p>
-      </dsp:txBody>
-      <dsp:txXfrm>
-        <a:off x="741275" y="1005759"/>
-        <a:ext cx="6621003" cy="503080"/>
-      </dsp:txXfrm>
-    </dsp:sp>
-    <dsp:sp modelId="{E8B81D43-2FBD-4AF3-A6BB-D81D1A1BC626}">
-      <dsp:nvSpPr>
-        <dsp:cNvPr id="0" name=""/>
-        <dsp:cNvSpPr/>
-      </dsp:nvSpPr>
-      <dsp:spPr>
-        <a:xfrm>
-          <a:off x="426850" y="942874"/>
-          <a:ext cx="628851" cy="628851"/>
-        </a:xfrm>
-        <a:prstGeom prst="ellipse">
-          <a:avLst/>
-        </a:prstGeom>
-        <a:solidFill>
-          <a:schemeClr val="lt1">
-            <a:hueOff val="0"/>
-            <a:satOff val="0"/>
-            <a:lumOff val="0"/>
-            <a:alphaOff val="0"/>
-          </a:schemeClr>
-        </a:solidFill>
-        <a:ln w="15875" cap="flat" cmpd="sng" algn="ctr">
-          <a:solidFill>
-            <a:schemeClr val="accent1">
-              <a:hueOff val="0"/>
-              <a:satOff val="0"/>
-              <a:lumOff val="0"/>
-              <a:alphaOff val="0"/>
-            </a:schemeClr>
-          </a:solidFill>
-          <a:prstDash val="solid"/>
-        </a:ln>
-        <a:effectLst/>
-      </dsp:spPr>
-      <dsp:style>
-        <a:lnRef idx="2">
-          <a:scrgbClr r="0" g="0" b="0"/>
-        </a:lnRef>
-        <a:fillRef idx="1">
-          <a:scrgbClr r="0" g="0" b="0"/>
-        </a:fillRef>
-        <a:effectRef idx="0">
-          <a:scrgbClr r="0" g="0" b="0"/>
-        </a:effectRef>
-        <a:fontRef idx="minor"/>
-      </dsp:style>
-    </dsp:sp>
-    <dsp:sp modelId="{3370D5B3-3C53-4059-B505-4082A293D8DD}">
-      <dsp:nvSpPr>
-        <dsp:cNvPr id="0" name=""/>
-        <dsp:cNvSpPr/>
-      </dsp:nvSpPr>
-      <dsp:spPr>
-        <a:xfrm>
-          <a:off x="851918" y="1760139"/>
-          <a:ext cx="6510360" cy="503080"/>
-        </a:xfrm>
-        <a:prstGeom prst="rect">
-          <a:avLst/>
-        </a:prstGeom>
-        <a:solidFill>
-          <a:srgbClr val="C00000"/>
-        </a:solidFill>
-        <a:ln w="15875" cap="flat" cmpd="sng" algn="ctr">
-          <a:solidFill>
-            <a:schemeClr val="lt1">
-              <a:hueOff val="0"/>
-              <a:satOff val="0"/>
-              <a:lumOff val="0"/>
-              <a:alphaOff val="0"/>
-            </a:schemeClr>
-          </a:solidFill>
-          <a:prstDash val="solid"/>
-        </a:ln>
-        <a:effectLst/>
-      </dsp:spPr>
-      <dsp:style>
-        <a:lnRef idx="2">
-          <a:scrgbClr r="0" g="0" b="0"/>
-        </a:lnRef>
-        <a:fillRef idx="1">
-          <a:scrgbClr r="0" g="0" b="0"/>
-        </a:fillRef>
-        <a:effectRef idx="0">
-          <a:scrgbClr r="0" g="0" b="0"/>
-        </a:effectRef>
-        <a:fontRef idx="minor">
-          <a:schemeClr val="lt1"/>
-        </a:fontRef>
-      </dsp:style>
-      <dsp:txBody>
-        <a:bodyPr spcFirstLastPara="0" vert="horz" wrap="square" lIns="399320" tIns="55880" rIns="55880" bIns="55880" numCol="1" spcCol="1270" anchor="ctr" anchorCtr="0">
-          <a:noAutofit/>
-        </a:bodyPr>
-        <a:lstStyle/>
-        <a:p>
-          <a:pPr lvl="0" algn="l" defTabSz="977900">
-            <a:lnSpc>
-              <a:spcPct val="90000"/>
-            </a:lnSpc>
-            <a:spcBef>
-              <a:spcPct val="0"/>
-            </a:spcBef>
-            <a:spcAft>
-              <a:spcPct val="35000"/>
-            </a:spcAft>
-          </a:pPr>
-          <a:r>
-            <a:rPr lang="zh-CN" altLang="en-US" sz="2200" b="1" kern="1200" dirty="0" smtClean="0"/>
-            <a:t>链接</a:t>
-          </a:r>
-          <a:r>
-            <a:rPr lang="zh-CN" altLang="en-US" sz="2200" b="1" kern="1200" dirty="0" smtClean="0"/>
-            <a:t>优先级计算</a:t>
-          </a:r>
-          <a:endParaRPr lang="zh-CN" altLang="en-US" sz="2200" b="1" kern="1200" dirty="0"/>
-        </a:p>
-      </dsp:txBody>
-      <dsp:txXfrm>
-        <a:off x="851918" y="1760139"/>
-        <a:ext cx="6510360" cy="503080"/>
-      </dsp:txXfrm>
-    </dsp:sp>
-    <dsp:sp modelId="{95D784D3-E342-4526-B676-3BB6826717D6}">
-      <dsp:nvSpPr>
-        <dsp:cNvPr id="0" name=""/>
-        <dsp:cNvSpPr/>
-      </dsp:nvSpPr>
-      <dsp:spPr>
-        <a:xfrm>
-          <a:off x="537492" y="1697254"/>
-          <a:ext cx="628851" cy="628851"/>
-        </a:xfrm>
-        <a:prstGeom prst="ellipse">
-          <a:avLst/>
-        </a:prstGeom>
-        <a:solidFill>
-          <a:schemeClr val="lt1">
-            <a:hueOff val="0"/>
-            <a:satOff val="0"/>
-            <a:lumOff val="0"/>
-            <a:alphaOff val="0"/>
-          </a:schemeClr>
-        </a:solidFill>
-        <a:ln w="15875" cap="flat" cmpd="sng" algn="ctr">
-          <a:solidFill>
-            <a:schemeClr val="accent1">
-              <a:hueOff val="0"/>
-              <a:satOff val="0"/>
-              <a:lumOff val="0"/>
-              <a:alphaOff val="0"/>
-            </a:schemeClr>
-          </a:solidFill>
-          <a:prstDash val="solid"/>
-        </a:ln>
-        <a:effectLst/>
-      </dsp:spPr>
-      <dsp:style>
-        <a:lnRef idx="2">
-          <a:scrgbClr r="0" g="0" b="0"/>
-        </a:lnRef>
-        <a:fillRef idx="1">
-          <a:scrgbClr r="0" g="0" b="0"/>
-        </a:fillRef>
-        <a:effectRef idx="0">
-          <a:scrgbClr r="0" g="0" b="0"/>
-        </a:effectRef>
-        <a:fontRef idx="minor"/>
-      </dsp:style>
-    </dsp:sp>
-    <dsp:sp modelId="{A10CC371-71F7-4D60-8F51-7B7F0A1D6B8D}">
-      <dsp:nvSpPr>
-        <dsp:cNvPr id="0" name=""/>
-        <dsp:cNvSpPr/>
-      </dsp:nvSpPr>
-      <dsp:spPr>
-        <a:xfrm>
-          <a:off x="741275" y="2514519"/>
-          <a:ext cx="6621003" cy="503080"/>
-        </a:xfrm>
-        <a:prstGeom prst="rect">
-          <a:avLst/>
-        </a:prstGeom>
-        <a:solidFill>
-          <a:srgbClr val="C00000"/>
-        </a:solidFill>
-        <a:ln w="15875" cap="flat" cmpd="sng" algn="ctr">
-          <a:solidFill>
-            <a:schemeClr val="lt1">
-              <a:hueOff val="0"/>
-              <a:satOff val="0"/>
-              <a:lumOff val="0"/>
-              <a:alphaOff val="0"/>
-            </a:schemeClr>
-          </a:solidFill>
-          <a:prstDash val="solid"/>
-        </a:ln>
-        <a:effectLst/>
-      </dsp:spPr>
-      <dsp:style>
-        <a:lnRef idx="2">
-          <a:scrgbClr r="0" g="0" b="0"/>
-        </a:lnRef>
-        <a:fillRef idx="1">
-          <a:scrgbClr r="0" g="0" b="0"/>
-        </a:fillRef>
-        <a:effectRef idx="0">
-          <a:scrgbClr r="0" g="0" b="0"/>
-        </a:effectRef>
-        <a:fontRef idx="minor">
-          <a:schemeClr val="lt1"/>
-        </a:fontRef>
-      </dsp:style>
-      <dsp:txBody>
-        <a:bodyPr spcFirstLastPara="0" vert="horz" wrap="square" lIns="399320" tIns="55880" rIns="55880" bIns="55880" numCol="1" spcCol="1270" anchor="ctr" anchorCtr="0">
-          <a:noAutofit/>
-        </a:bodyPr>
-        <a:lstStyle/>
-        <a:p>
-          <a:pPr lvl="0" algn="l" defTabSz="977900" rtl="0">
-            <a:lnSpc>
-              <a:spcPct val="90000"/>
-            </a:lnSpc>
-            <a:spcBef>
-              <a:spcPct val="0"/>
-            </a:spcBef>
-            <a:spcAft>
-              <a:spcPct val="35000"/>
-            </a:spcAft>
-          </a:pPr>
-          <a:r>
-            <a:rPr lang="zh-CN" sz="2200" b="1" kern="1200" dirty="0" smtClean="0"/>
-            <a:t>及时推信息推送系统的实现</a:t>
-          </a:r>
-          <a:endParaRPr lang="zh-CN" sz="2200" kern="1200" dirty="0"/>
-        </a:p>
-      </dsp:txBody>
-      <dsp:txXfrm>
-        <a:off x="741275" y="2514519"/>
-        <a:ext cx="6621003" cy="503080"/>
-      </dsp:txXfrm>
-    </dsp:sp>
-    <dsp:sp modelId="{F0D67162-61C7-4992-B58A-2366FD39CD14}">
-      <dsp:nvSpPr>
-        <dsp:cNvPr id="0" name=""/>
-        <dsp:cNvSpPr/>
-      </dsp:nvSpPr>
-      <dsp:spPr>
-        <a:xfrm>
-          <a:off x="426850" y="2451634"/>
-          <a:ext cx="628851" cy="628851"/>
-        </a:xfrm>
-        <a:prstGeom prst="ellipse">
-          <a:avLst/>
-        </a:prstGeom>
-        <a:solidFill>
-          <a:schemeClr val="lt1">
-            <a:hueOff val="0"/>
-            <a:satOff val="0"/>
-            <a:lumOff val="0"/>
-            <a:alphaOff val="0"/>
-          </a:schemeClr>
-        </a:solidFill>
-        <a:ln w="15875" cap="flat" cmpd="sng" algn="ctr">
-          <a:solidFill>
-            <a:schemeClr val="accent1">
-              <a:hueOff val="0"/>
-              <a:satOff val="0"/>
-              <a:lumOff val="0"/>
-              <a:alphaOff val="0"/>
-            </a:schemeClr>
-          </a:solidFill>
-          <a:prstDash val="solid"/>
-        </a:ln>
-        <a:effectLst/>
-      </dsp:spPr>
-      <dsp:style>
-        <a:lnRef idx="2">
-          <a:scrgbClr r="0" g="0" b="0"/>
-        </a:lnRef>
-        <a:fillRef idx="1">
-          <a:scrgbClr r="0" g="0" b="0"/>
-        </a:fillRef>
-        <a:effectRef idx="0">
-          <a:scrgbClr r="0" g="0" b="0"/>
-        </a:effectRef>
-        <a:fontRef idx="minor"/>
-      </dsp:style>
-    </dsp:sp>
-    <dsp:sp modelId="{FD08A59A-5517-4F1B-B3B7-81E6835B9E38}">
-      <dsp:nvSpPr>
-        <dsp:cNvPr id="0" name=""/>
-        <dsp:cNvSpPr/>
-      </dsp:nvSpPr>
-      <dsp:spPr>
-        <a:xfrm>
-          <a:off x="380782" y="3268899"/>
-          <a:ext cx="6981496" cy="503080"/>
-        </a:xfrm>
-        <a:prstGeom prst="rect">
-          <a:avLst/>
-        </a:prstGeom>
-        <a:solidFill>
-          <a:schemeClr val="accent1">
-            <a:hueOff val="0"/>
-            <a:satOff val="0"/>
-            <a:lumOff val="0"/>
-            <a:alphaOff val="0"/>
-          </a:schemeClr>
-        </a:solidFill>
-        <a:ln w="15875" cap="flat" cmpd="sng" algn="ctr">
-          <a:solidFill>
-            <a:schemeClr val="lt1">
-              <a:hueOff val="0"/>
-              <a:satOff val="0"/>
-              <a:lumOff val="0"/>
-              <a:alphaOff val="0"/>
-            </a:schemeClr>
-          </a:solidFill>
-          <a:prstDash val="solid"/>
-        </a:ln>
-        <a:effectLst/>
-      </dsp:spPr>
-      <dsp:style>
-        <a:lnRef idx="2">
-          <a:scrgbClr r="0" g="0" b="0"/>
-        </a:lnRef>
-        <a:fillRef idx="1">
-          <a:scrgbClr r="0" g="0" b="0"/>
-        </a:fillRef>
-        <a:effectRef idx="0">
-          <a:scrgbClr r="0" g="0" b="0"/>
-        </a:effectRef>
-        <a:fontRef idx="minor">
-          <a:schemeClr val="lt1"/>
-        </a:fontRef>
-      </dsp:style>
-      <dsp:txBody>
-        <a:bodyPr spcFirstLastPara="0" vert="horz" wrap="square" lIns="399320" tIns="55880" rIns="55880" bIns="55880" numCol="1" spcCol="1270" anchor="ctr" anchorCtr="0">
-          <a:noAutofit/>
-        </a:bodyPr>
-        <a:lstStyle/>
-        <a:p>
-          <a:pPr lvl="0" algn="l" defTabSz="977900" rtl="0">
-            <a:lnSpc>
-              <a:spcPct val="90000"/>
-            </a:lnSpc>
-            <a:spcBef>
-              <a:spcPct val="0"/>
-            </a:spcBef>
-            <a:spcAft>
-              <a:spcPct val="35000"/>
-            </a:spcAft>
-          </a:pPr>
-          <a:r>
-            <a:rPr lang="zh-CN" sz="2200" b="0" kern="1200" dirty="0" smtClean="0"/>
-            <a:t>总结与展望</a:t>
-          </a:r>
-          <a:endParaRPr lang="zh-CN" sz="2200" b="0" kern="1200" dirty="0"/>
-        </a:p>
-      </dsp:txBody>
-      <dsp:txXfrm>
-        <a:off x="380782" y="3268899"/>
-        <a:ext cx="6981496" cy="503080"/>
-      </dsp:txXfrm>
-    </dsp:sp>
-    <dsp:sp modelId="{4D7A653B-38FC-4259-A72D-9C43801A9B80}">
-      <dsp:nvSpPr>
-        <dsp:cNvPr id="0" name=""/>
-        <dsp:cNvSpPr/>
-      </dsp:nvSpPr>
-      <dsp:spPr>
-        <a:xfrm>
-          <a:off x="66357" y="3206014"/>
-          <a:ext cx="628851" cy="628851"/>
-        </a:xfrm>
-        <a:prstGeom prst="ellipse">
-          <a:avLst/>
-        </a:prstGeom>
-        <a:solidFill>
-          <a:schemeClr val="lt1">
-            <a:hueOff val="0"/>
-            <a:satOff val="0"/>
-            <a:lumOff val="0"/>
-            <a:alphaOff val="0"/>
-          </a:schemeClr>
-        </a:solidFill>
-        <a:ln w="15875" cap="flat" cmpd="sng" algn="ctr">
-          <a:solidFill>
-            <a:schemeClr val="accent1">
-              <a:hueOff val="0"/>
-              <a:satOff val="0"/>
-              <a:lumOff val="0"/>
-              <a:alphaOff val="0"/>
-            </a:schemeClr>
-          </a:solidFill>
-          <a:prstDash val="solid"/>
-        </a:ln>
-        <a:effectLst/>
-      </dsp:spPr>
-      <dsp:style>
-        <a:lnRef idx="2">
-          <a:scrgbClr r="0" g="0" b="0"/>
-        </a:lnRef>
-        <a:fillRef idx="1">
-          <a:scrgbClr r="0" g="0" b="0"/>
-        </a:fillRef>
-        <a:effectRef idx="0">
-          <a:scrgbClr r="0" g="0" b="0"/>
-        </a:effectRef>
-        <a:fontRef idx="minor"/>
-      </dsp:style>
-    </dsp:sp>
   </dsp:spTree>
 </dsp:drawing>
 </file>
@@ -7849,510 +7182,6 @@
       <dsp:cNvGrpSpPr/>
     </dsp:nvGrpSpPr>
     <dsp:grpSpPr/>
-    <dsp:sp modelId="{B9CA1B42-B779-4F5B-A746-2F4D15501938}">
-      <dsp:nvSpPr>
-        <dsp:cNvPr id="0" name=""/>
-        <dsp:cNvSpPr/>
-      </dsp:nvSpPr>
-      <dsp:spPr>
-        <a:xfrm>
-          <a:off x="1145634" y="1137"/>
-          <a:ext cx="1649536" cy="1649536"/>
-        </a:xfrm>
-        <a:prstGeom prst="ellipse">
-          <a:avLst/>
-        </a:prstGeom>
-        <a:gradFill rotWithShape="0">
-          <a:gsLst>
-            <a:gs pos="0">
-              <a:schemeClr val="accent3">
-                <a:hueOff val="0"/>
-                <a:satOff val="0"/>
-                <a:lumOff val="0"/>
-                <a:alphaOff val="0"/>
-                <a:tint val="83000"/>
-                <a:satMod val="100000"/>
-                <a:lumMod val="100000"/>
-              </a:schemeClr>
-            </a:gs>
-            <a:gs pos="100000">
-              <a:schemeClr val="accent3">
-                <a:hueOff val="0"/>
-                <a:satOff val="0"/>
-                <a:lumOff val="0"/>
-                <a:alphaOff val="0"/>
-                <a:tint val="61000"/>
-                <a:satMod val="150000"/>
-                <a:lumMod val="100000"/>
-              </a:schemeClr>
-            </a:gs>
-          </a:gsLst>
-          <a:path path="circle">
-            <a:fillToRect l="100000" t="100000" r="100000" b="100000"/>
-          </a:path>
-        </a:gradFill>
-        <a:ln>
-          <a:noFill/>
-        </a:ln>
-        <a:effectLst/>
-        <a:scene3d>
-          <a:camera prst="orthographicFront"/>
-          <a:lightRig rig="flat" dir="t"/>
-        </a:scene3d>
-        <a:sp3d prstMaterial="dkEdge">
-          <a:bevelT w="8200" h="38100"/>
-        </a:sp3d>
-      </dsp:spPr>
-      <dsp:style>
-        <a:lnRef idx="0">
-          <a:scrgbClr r="0" g="0" b="0"/>
-        </a:lnRef>
-        <a:fillRef idx="2">
-          <a:scrgbClr r="0" g="0" b="0"/>
-        </a:fillRef>
-        <a:effectRef idx="1">
-          <a:scrgbClr r="0" g="0" b="0"/>
-        </a:effectRef>
-        <a:fontRef idx="minor">
-          <a:schemeClr val="dk1"/>
-        </a:fontRef>
-      </dsp:style>
-      <dsp:txBody>
-        <a:bodyPr spcFirstLastPara="0" vert="horz" wrap="square" lIns="39370" tIns="39370" rIns="39370" bIns="39370" numCol="1" spcCol="1270" anchor="ctr" anchorCtr="0">
-          <a:noAutofit/>
-        </a:bodyPr>
-        <a:lstStyle/>
-        <a:p>
-          <a:pPr lvl="0" algn="ctr" defTabSz="1377950">
-            <a:lnSpc>
-              <a:spcPct val="90000"/>
-            </a:lnSpc>
-            <a:spcBef>
-              <a:spcPct val="0"/>
-            </a:spcBef>
-            <a:spcAft>
-              <a:spcPct val="35000"/>
-            </a:spcAft>
-          </a:pPr>
-          <a:r>
-            <a:rPr lang="en-US" altLang="zh-CN" sz="3100" kern="1200" dirty="0" smtClean="0"/>
-            <a:t>Page Rank</a:t>
-          </a:r>
-          <a:endParaRPr lang="zh-CN" altLang="en-US" sz="3100" kern="1200" dirty="0"/>
-        </a:p>
-      </dsp:txBody>
-      <dsp:txXfrm>
-        <a:off x="1387203" y="242706"/>
-        <a:ext cx="1166398" cy="1166398"/>
-      </dsp:txXfrm>
-    </dsp:sp>
-    <dsp:sp modelId="{CD5C1B27-8DBA-4DB6-B19E-22EE61E66CF3}">
-      <dsp:nvSpPr>
-        <dsp:cNvPr id="0" name=""/>
-        <dsp:cNvSpPr/>
-      </dsp:nvSpPr>
-      <dsp:spPr>
-        <a:xfrm>
-          <a:off x="1492036" y="1784615"/>
-          <a:ext cx="956731" cy="956731"/>
-        </a:xfrm>
-        <a:prstGeom prst="mathPlus">
-          <a:avLst/>
-        </a:prstGeom>
-        <a:gradFill rotWithShape="0">
-          <a:gsLst>
-            <a:gs pos="0">
-              <a:schemeClr val="accent3">
-                <a:hueOff val="0"/>
-                <a:satOff val="0"/>
-                <a:lumOff val="0"/>
-                <a:alphaOff val="0"/>
-                <a:tint val="83000"/>
-                <a:satMod val="100000"/>
-                <a:lumMod val="100000"/>
-              </a:schemeClr>
-            </a:gs>
-            <a:gs pos="100000">
-              <a:schemeClr val="accent3">
-                <a:hueOff val="0"/>
-                <a:satOff val="0"/>
-                <a:lumOff val="0"/>
-                <a:alphaOff val="0"/>
-                <a:tint val="61000"/>
-                <a:satMod val="150000"/>
-                <a:lumMod val="100000"/>
-              </a:schemeClr>
-            </a:gs>
-          </a:gsLst>
-          <a:path path="circle">
-            <a:fillToRect l="100000" t="100000" r="100000" b="100000"/>
-          </a:path>
-        </a:gradFill>
-        <a:ln>
-          <a:noFill/>
-        </a:ln>
-        <a:effectLst/>
-      </dsp:spPr>
-      <dsp:style>
-        <a:lnRef idx="0">
-          <a:scrgbClr r="0" g="0" b="0"/>
-        </a:lnRef>
-        <a:fillRef idx="2">
-          <a:scrgbClr r="0" g="0" b="0"/>
-        </a:fillRef>
-        <a:effectRef idx="1">
-          <a:scrgbClr r="0" g="0" b="0"/>
-        </a:effectRef>
-        <a:fontRef idx="minor">
-          <a:schemeClr val="dk1"/>
-        </a:fontRef>
-      </dsp:style>
-      <dsp:txBody>
-        <a:bodyPr spcFirstLastPara="0" vert="horz" wrap="square" lIns="0" tIns="0" rIns="0" bIns="0" numCol="1" spcCol="1270" anchor="ctr" anchorCtr="0">
-          <a:noAutofit/>
-        </a:bodyPr>
-        <a:lstStyle/>
-        <a:p>
-          <a:pPr lvl="0" algn="ctr" defTabSz="800100">
-            <a:lnSpc>
-              <a:spcPct val="90000"/>
-            </a:lnSpc>
-            <a:spcBef>
-              <a:spcPct val="0"/>
-            </a:spcBef>
-            <a:spcAft>
-              <a:spcPct val="35000"/>
-            </a:spcAft>
-          </a:pPr>
-          <a:endParaRPr lang="zh-CN" altLang="en-US" sz="1800" kern="1200"/>
-        </a:p>
-      </dsp:txBody>
-      <dsp:txXfrm>
-        <a:off x="1618851" y="2150469"/>
-        <a:ext cx="703101" cy="225023"/>
-      </dsp:txXfrm>
-    </dsp:sp>
-    <dsp:sp modelId="{69BAD040-0692-47B3-996C-83A0B0D444A2}">
-      <dsp:nvSpPr>
-        <dsp:cNvPr id="0" name=""/>
-        <dsp:cNvSpPr/>
-      </dsp:nvSpPr>
-      <dsp:spPr>
-        <a:xfrm>
-          <a:off x="1145634" y="2875289"/>
-          <a:ext cx="1649536" cy="1649536"/>
-        </a:xfrm>
-        <a:prstGeom prst="ellipse">
-          <a:avLst/>
-        </a:prstGeom>
-        <a:gradFill rotWithShape="0">
-          <a:gsLst>
-            <a:gs pos="0">
-              <a:schemeClr val="accent3">
-                <a:hueOff val="-617032"/>
-                <a:satOff val="-10836"/>
-                <a:lumOff val="-196"/>
-                <a:alphaOff val="0"/>
-                <a:tint val="83000"/>
-                <a:satMod val="100000"/>
-                <a:lumMod val="100000"/>
-              </a:schemeClr>
-            </a:gs>
-            <a:gs pos="100000">
-              <a:schemeClr val="accent3">
-                <a:hueOff val="-617032"/>
-                <a:satOff val="-10836"/>
-                <a:lumOff val="-196"/>
-                <a:alphaOff val="0"/>
-                <a:tint val="61000"/>
-                <a:satMod val="150000"/>
-                <a:lumMod val="100000"/>
-              </a:schemeClr>
-            </a:gs>
-          </a:gsLst>
-          <a:path path="circle">
-            <a:fillToRect l="100000" t="100000" r="100000" b="100000"/>
-          </a:path>
-        </a:gradFill>
-        <a:ln>
-          <a:noFill/>
-        </a:ln>
-        <a:effectLst/>
-        <a:scene3d>
-          <a:camera prst="orthographicFront"/>
-          <a:lightRig rig="flat" dir="t"/>
-        </a:scene3d>
-        <a:sp3d prstMaterial="dkEdge">
-          <a:bevelT w="8200" h="38100"/>
-        </a:sp3d>
-      </dsp:spPr>
-      <dsp:style>
-        <a:lnRef idx="0">
-          <a:scrgbClr r="0" g="0" b="0"/>
-        </a:lnRef>
-        <a:fillRef idx="2">
-          <a:scrgbClr r="0" g="0" b="0"/>
-        </a:fillRef>
-        <a:effectRef idx="1">
-          <a:scrgbClr r="0" g="0" b="0"/>
-        </a:effectRef>
-        <a:fontRef idx="minor">
-          <a:schemeClr val="dk1"/>
-        </a:fontRef>
-      </dsp:style>
-      <dsp:txBody>
-        <a:bodyPr spcFirstLastPara="0" vert="horz" wrap="square" lIns="39370" tIns="39370" rIns="39370" bIns="39370" numCol="1" spcCol="1270" anchor="ctr" anchorCtr="0">
-          <a:noAutofit/>
-        </a:bodyPr>
-        <a:lstStyle/>
-        <a:p>
-          <a:pPr lvl="0" algn="ctr" defTabSz="1377950">
-            <a:lnSpc>
-              <a:spcPct val="90000"/>
-            </a:lnSpc>
-            <a:spcBef>
-              <a:spcPct val="0"/>
-            </a:spcBef>
-            <a:spcAft>
-              <a:spcPct val="35000"/>
-            </a:spcAft>
-          </a:pPr>
-          <a:r>
-            <a:rPr lang="en-US" altLang="zh-CN" sz="3100" kern="1200" dirty="0" smtClean="0"/>
-            <a:t>Fish Search</a:t>
-          </a:r>
-          <a:endParaRPr lang="zh-CN" altLang="en-US" sz="3100" kern="1200" dirty="0"/>
-        </a:p>
-      </dsp:txBody>
-      <dsp:txXfrm>
-        <a:off x="1387203" y="3116858"/>
-        <a:ext cx="1166398" cy="1166398"/>
-      </dsp:txXfrm>
-    </dsp:sp>
-    <dsp:sp modelId="{A544F8C6-D64E-48EB-8EAC-40983D994602}">
-      <dsp:nvSpPr>
-        <dsp:cNvPr id="0" name=""/>
-        <dsp:cNvSpPr/>
-      </dsp:nvSpPr>
-      <dsp:spPr>
-        <a:xfrm>
-          <a:off x="3042601" y="1956167"/>
-          <a:ext cx="524552" cy="613627"/>
-        </a:xfrm>
-        <a:prstGeom prst="rightArrow">
-          <a:avLst>
-            <a:gd name="adj1" fmla="val 60000"/>
-            <a:gd name="adj2" fmla="val 50000"/>
-          </a:avLst>
-        </a:prstGeom>
-        <a:gradFill rotWithShape="0">
-          <a:gsLst>
-            <a:gs pos="0">
-              <a:schemeClr val="accent3">
-                <a:hueOff val="-1234063"/>
-                <a:satOff val="-21671"/>
-                <a:lumOff val="-392"/>
-                <a:alphaOff val="0"/>
-                <a:tint val="83000"/>
-                <a:satMod val="100000"/>
-                <a:lumMod val="100000"/>
-              </a:schemeClr>
-            </a:gs>
-            <a:gs pos="100000">
-              <a:schemeClr val="accent3">
-                <a:hueOff val="-1234063"/>
-                <a:satOff val="-21671"/>
-                <a:lumOff val="-392"/>
-                <a:alphaOff val="0"/>
-                <a:tint val="61000"/>
-                <a:satMod val="150000"/>
-                <a:lumMod val="100000"/>
-              </a:schemeClr>
-            </a:gs>
-          </a:gsLst>
-          <a:path path="circle">
-            <a:fillToRect l="100000" t="100000" r="100000" b="100000"/>
-          </a:path>
-        </a:gradFill>
-        <a:ln>
-          <a:noFill/>
-        </a:ln>
-        <a:effectLst/>
-      </dsp:spPr>
-      <dsp:style>
-        <a:lnRef idx="0">
-          <a:scrgbClr r="0" g="0" b="0"/>
-        </a:lnRef>
-        <a:fillRef idx="2">
-          <a:scrgbClr r="0" g="0" b="0"/>
-        </a:fillRef>
-        <a:effectRef idx="1">
-          <a:scrgbClr r="0" g="0" b="0"/>
-        </a:effectRef>
-        <a:fontRef idx="minor">
-          <a:schemeClr val="dk1"/>
-        </a:fontRef>
-      </dsp:style>
-      <dsp:txBody>
-        <a:bodyPr spcFirstLastPara="0" vert="horz" wrap="square" lIns="0" tIns="0" rIns="0" bIns="0" numCol="1" spcCol="1270" anchor="ctr" anchorCtr="0">
-          <a:noAutofit/>
-        </a:bodyPr>
-        <a:lstStyle/>
-        <a:p>
-          <a:pPr lvl="0" algn="ctr" defTabSz="1111250">
-            <a:lnSpc>
-              <a:spcPct val="90000"/>
-            </a:lnSpc>
-            <a:spcBef>
-              <a:spcPct val="0"/>
-            </a:spcBef>
-            <a:spcAft>
-              <a:spcPct val="35000"/>
-            </a:spcAft>
-          </a:pPr>
-          <a:endParaRPr lang="zh-CN" altLang="en-US" sz="2500" kern="1200"/>
-        </a:p>
-      </dsp:txBody>
-      <dsp:txXfrm>
-        <a:off x="3042601" y="2078892"/>
-        <a:ext cx="367186" cy="368177"/>
-      </dsp:txXfrm>
-    </dsp:sp>
-    <dsp:sp modelId="{38901F0C-409F-463D-8703-02FF5B065181}">
-      <dsp:nvSpPr>
-        <dsp:cNvPr id="0" name=""/>
-        <dsp:cNvSpPr/>
-      </dsp:nvSpPr>
-      <dsp:spPr>
-        <a:xfrm>
-          <a:off x="3784892" y="613444"/>
-          <a:ext cx="3299073" cy="3299073"/>
-        </a:xfrm>
-        <a:prstGeom prst="ellipse">
-          <a:avLst/>
-        </a:prstGeom>
-        <a:gradFill rotWithShape="0">
-          <a:gsLst>
-            <a:gs pos="0">
-              <a:schemeClr val="accent3">
-                <a:hueOff val="-1234063"/>
-                <a:satOff val="-21671"/>
-                <a:lumOff val="-392"/>
-                <a:alphaOff val="0"/>
-                <a:tint val="83000"/>
-                <a:satMod val="100000"/>
-                <a:lumMod val="100000"/>
-              </a:schemeClr>
-            </a:gs>
-            <a:gs pos="100000">
-              <a:schemeClr val="accent3">
-                <a:hueOff val="-1234063"/>
-                <a:satOff val="-21671"/>
-                <a:lumOff val="-392"/>
-                <a:alphaOff val="0"/>
-                <a:tint val="61000"/>
-                <a:satMod val="150000"/>
-                <a:lumMod val="100000"/>
-              </a:schemeClr>
-            </a:gs>
-          </a:gsLst>
-          <a:path path="circle">
-            <a:fillToRect l="100000" t="100000" r="100000" b="100000"/>
-          </a:path>
-        </a:gradFill>
-        <a:ln>
-          <a:noFill/>
-        </a:ln>
-        <a:effectLst/>
-        <a:scene3d>
-          <a:camera prst="orthographicFront"/>
-          <a:lightRig rig="flat" dir="t"/>
-        </a:scene3d>
-        <a:sp3d prstMaterial="dkEdge">
-          <a:bevelT w="8200" h="38100"/>
-        </a:sp3d>
-      </dsp:spPr>
-      <dsp:style>
-        <a:lnRef idx="0">
-          <a:scrgbClr r="0" g="0" b="0"/>
-        </a:lnRef>
-        <a:fillRef idx="2">
-          <a:scrgbClr r="0" g="0" b="0"/>
-        </a:fillRef>
-        <a:effectRef idx="1">
-          <a:scrgbClr r="0" g="0" b="0"/>
-        </a:effectRef>
-        <a:fontRef idx="minor">
-          <a:schemeClr val="dk1"/>
-        </a:fontRef>
-      </dsp:style>
-      <dsp:txBody>
-        <a:bodyPr spcFirstLastPara="0" vert="horz" wrap="square" lIns="44450" tIns="44450" rIns="44450" bIns="44450" numCol="1" spcCol="1270" anchor="ctr" anchorCtr="0">
-          <a:noAutofit/>
-        </a:bodyPr>
-        <a:lstStyle/>
-        <a:p>
-          <a:pPr lvl="0" algn="l" defTabSz="1555750">
-            <a:lnSpc>
-              <a:spcPct val="90000"/>
-            </a:lnSpc>
-            <a:spcBef>
-              <a:spcPct val="0"/>
-            </a:spcBef>
-            <a:spcAft>
-              <a:spcPct val="35000"/>
-            </a:spcAft>
-          </a:pPr>
-          <a:r>
-            <a:rPr lang="zh-CN" altLang="en-US" sz="3500" kern="1200" dirty="0" smtClean="0"/>
-            <a:t>链接优先级</a:t>
-          </a:r>
-          <a:endParaRPr lang="zh-CN" altLang="en-US" sz="3500" kern="1200" dirty="0"/>
-        </a:p>
-        <a:p>
-          <a:pPr marL="228600" lvl="1" indent="-228600" algn="l" defTabSz="1200150">
-            <a:lnSpc>
-              <a:spcPct val="90000"/>
-            </a:lnSpc>
-            <a:spcBef>
-              <a:spcPct val="0"/>
-            </a:spcBef>
-            <a:spcAft>
-              <a:spcPct val="15000"/>
-            </a:spcAft>
-            <a:buChar char="••"/>
-          </a:pPr>
-          <a:r>
-            <a:rPr lang="zh-CN" altLang="en-US" sz="2700" kern="1200" dirty="0" smtClean="0"/>
-            <a:t>重要度</a:t>
-          </a:r>
-          <a:endParaRPr lang="zh-CN" altLang="en-US" sz="2700" kern="1200" dirty="0"/>
-        </a:p>
-        <a:p>
-          <a:pPr marL="228600" lvl="1" indent="-228600" algn="l" defTabSz="1200150">
-            <a:lnSpc>
-              <a:spcPct val="90000"/>
-            </a:lnSpc>
-            <a:spcBef>
-              <a:spcPct val="0"/>
-            </a:spcBef>
-            <a:spcAft>
-              <a:spcPct val="15000"/>
-            </a:spcAft>
-            <a:buChar char="••"/>
-          </a:pPr>
-          <a:r>
-            <a:rPr lang="zh-CN" altLang="en-US" sz="2700" kern="1200" dirty="0" smtClean="0"/>
-            <a:t>主题相关度</a:t>
-          </a:r>
-          <a:endParaRPr lang="zh-CN" altLang="en-US" sz="2700" kern="1200" dirty="0"/>
-        </a:p>
-      </dsp:txBody>
-      <dsp:txXfrm>
-        <a:off x="4268030" y="1096582"/>
-        <a:ext cx="2332797" cy="2332797"/>
-      </dsp:txXfrm>
-    </dsp:sp>
   </dsp:spTree>
 </dsp:drawing>
 </file>
@@ -12076,7 +10905,7 @@
           <a:p>
             <a:fld id="{3AB27EE0-96AD-4BC9-BE6B-7B351FD58A72}" type="datetimeFigureOut">
               <a:rPr lang="zh-CN" altLang="en-US" smtClean="0"/>
-              <a:t>2015/5/10</a:t>
+              <a:t>2015/5/12</a:t>
             </a:fld>
             <a:endParaRPr lang="zh-CN" altLang="en-US"/>
           </a:p>
@@ -13232,7 +12061,15 @@
           <a:p>
             <a:r>
               <a:rPr lang="zh-CN" altLang="en-US" dirty="0" smtClean="0"/>
-              <a:t>这是该系统的框架图，我完成的是主题爬虫子系统和信息推荐子系统。该系统包含</a:t>
+              <a:t>这是该系统的框架图，我完成的是主题爬虫子系统和信息</a:t>
+            </a:r>
+            <a:r>
+              <a:rPr lang="en-US" altLang="zh-CN" dirty="0" smtClean="0"/>
+              <a:t>T</a:t>
+            </a:r>
+            <a:r>
+              <a:rPr lang="zh-CN" altLang="en-US" dirty="0" smtClean="0"/>
+              <a:t>推送子系统。该系统包含</a:t>
             </a:r>
             <a:r>
               <a:rPr lang="en-US" altLang="zh-CN" dirty="0" smtClean="0"/>
@@ -13279,7 +12116,7 @@
           <a:p>
             <a:fld id="{700DA42C-496F-4146-8A4C-8594505A6FF5}" type="slidenum">
               <a:rPr lang="zh-CN" altLang="en-US" smtClean="0"/>
-              <a:t>24</a:t>
+              <a:t>25</a:t>
             </a:fld>
             <a:endParaRPr lang="zh-CN" altLang="en-US"/>
           </a:p>
@@ -13367,7 +12204,7 @@
           <a:p>
             <a:fld id="{700DA42C-496F-4146-8A4C-8594505A6FF5}" type="slidenum">
               <a:rPr lang="zh-CN" altLang="en-US" smtClean="0"/>
-              <a:t>25</a:t>
+              <a:t>27</a:t>
             </a:fld>
             <a:endParaRPr lang="zh-CN" altLang="en-US"/>
           </a:p>
@@ -13463,7 +12300,7 @@
           <a:p>
             <a:fld id="{700DA42C-496F-4146-8A4C-8594505A6FF5}" type="slidenum">
               <a:rPr lang="zh-CN" altLang="en-US" smtClean="0"/>
-              <a:t>26</a:t>
+              <a:t>29</a:t>
             </a:fld>
             <a:endParaRPr lang="zh-CN" altLang="en-US"/>
           </a:p>
@@ -13593,7 +12430,7 @@
           <a:p>
             <a:fld id="{700DA42C-496F-4146-8A4C-8594505A6FF5}" type="slidenum">
               <a:rPr lang="zh-CN" altLang="en-US" smtClean="0"/>
-              <a:t>27</a:t>
+              <a:t>30</a:t>
             </a:fld>
             <a:endParaRPr lang="zh-CN" altLang="en-US"/>
           </a:p>
@@ -13754,42 +12591,14 @@
             </a:r>
             <a:r>
               <a:rPr lang="zh-CN" altLang="en-US" dirty="0" smtClean="0"/>
-              <a:t>关于三家公司的数据处理量的统计分析结果。可以看出数据的量是非常</a:t>
-            </a:r>
-            <a:r>
-              <a:rPr lang="zh-CN" altLang="en-US" dirty="0" smtClean="0"/>
-              <a:t>大且搜索难度高。</a:t>
-            </a:r>
-            <a:r>
-              <a:rPr lang="zh-CN" altLang="en-US" dirty="0" smtClean="0"/>
-              <a:t>而另一个方面上</a:t>
-            </a:r>
-            <a:r>
-              <a:rPr lang="zh-CN" altLang="en-US" dirty="0" smtClean="0"/>
-              <a:t>，及时获取信息对于企业管理者和个人的成功越来越重要。</a:t>
+              <a:t>关于三家公司的数据处理量的统计分析结果。可以看出数据的量是非常大且搜索难度高。而另一个方面上，及时获取信息对于企业管理者和个人的成功越来越重要。</a:t>
             </a:r>
             <a:endParaRPr lang="en-US" altLang="zh-CN" dirty="0" smtClean="0"/>
           </a:p>
           <a:p>
             <a:r>
               <a:rPr lang="zh-CN" altLang="en-US" dirty="0" smtClean="0"/>
-              <a:t>再者，我们实验室</a:t>
-            </a:r>
-            <a:r>
-              <a:rPr lang="zh-CN" altLang="en-US" dirty="0" smtClean="0"/>
-              <a:t>的及时推信息推送系统</a:t>
-            </a:r>
-            <a:r>
-              <a:rPr lang="zh-CN" altLang="en-US" dirty="0" smtClean="0"/>
-              <a:t>也</a:t>
-            </a:r>
-            <a:r>
-              <a:rPr lang="zh-CN" altLang="en-US" dirty="0" smtClean="0"/>
-              <a:t>需要技术</a:t>
-            </a:r>
-            <a:r>
-              <a:rPr lang="zh-CN" altLang="en-US" dirty="0" smtClean="0"/>
-              <a:t>进行支持</a:t>
+              <a:t>再者，我们实验室的及时推信息推送系统也需要技术进行支持</a:t>
             </a:r>
             <a:endParaRPr lang="zh-CN" altLang="en-US" dirty="0"/>
           </a:p>
@@ -21175,7 +19984,7 @@
             <a:fld id="{96DFF08F-DC6B-4601-B491-B0F83F6DD2DA}" type="datetimeFigureOut">
               <a:rPr lang="en-US" dirty="0"/>
               <a:pPr/>
-              <a:t>5/10/2015</a:t>
+              <a:t>5/12/2015</a:t>
             </a:fld>
             <a:endParaRPr lang="en-US" dirty="0"/>
           </a:p>
@@ -21401,7 +20210,7 @@
           <a:p>
             <a:fld id="{902A3E5E-6F54-4BB3-A912-2D8AD03514DF}" type="datetime1">
               <a:rPr lang="zh-CN" altLang="en-US" smtClean="0"/>
-              <a:t>2015/5/10</a:t>
+              <a:t>2015/5/12</a:t>
             </a:fld>
             <a:endParaRPr lang="zh-CN" altLang="en-US"/>
           </a:p>
@@ -21604,7 +20413,7 @@
           <a:p>
             <a:fld id="{BDCFF075-8C81-4683-A683-46B692FA080A}" type="datetime1">
               <a:rPr lang="zh-CN" altLang="en-US" smtClean="0"/>
-              <a:t>2015/5/10</a:t>
+              <a:t>2015/5/12</a:t>
             </a:fld>
             <a:endParaRPr lang="zh-CN" altLang="en-US"/>
           </a:p>
@@ -21740,7 +20549,7 @@
           <a:p>
             <a:fld id="{00FDD5A5-095C-4BB3-A3DD-F5F560E5EB25}" type="datetime1">
               <a:rPr lang="zh-CN" altLang="en-US" smtClean="0"/>
-              <a:t>2015/5/10</a:t>
+              <a:t>2015/5/12</a:t>
             </a:fld>
             <a:endParaRPr lang="zh-CN" altLang="en-US"/>
           </a:p>
@@ -25516,7 +24325,7 @@
           <a:p>
             <a:fld id="{7C5FCB3C-1154-43F0-AAAA-3D5960A7A6CD}" type="datetime1">
               <a:rPr lang="zh-CN" altLang="en-US" smtClean="0"/>
-              <a:t>2015/5/10</a:t>
+              <a:t>2015/5/12</a:t>
             </a:fld>
             <a:endParaRPr lang="zh-CN" altLang="en-US"/>
           </a:p>
@@ -32277,7 +31086,7 @@
           <a:p>
             <a:fld id="{3529AB5C-19D5-4913-887C-4CFB201A457E}" type="datetime1">
               <a:rPr lang="zh-CN" altLang="en-US" smtClean="0"/>
-              <a:t>2015/5/10</a:t>
+              <a:t>2015/5/12</a:t>
             </a:fld>
             <a:endParaRPr lang="zh-CN" altLang="en-US"/>
           </a:p>
@@ -32575,7 +31384,7 @@
           <a:p>
             <a:fld id="{A64ADEC5-BAFC-4AC0-8462-0D671AE21BCE}" type="datetime1">
               <a:rPr lang="zh-CN" altLang="en-US" smtClean="0"/>
-              <a:t>2015/5/10</a:t>
+              <a:t>2015/5/12</a:t>
             </a:fld>
             <a:endParaRPr lang="zh-CN" altLang="en-US"/>
           </a:p>
@@ -33001,7 +31810,7 @@
           <a:p>
             <a:fld id="{3FFE3A72-4645-45F2-8559-C892C10E59D1}" type="datetime1">
               <a:rPr lang="zh-CN" altLang="en-US" smtClean="0"/>
-              <a:t>2015/5/10</a:t>
+              <a:t>2015/5/12</a:t>
             </a:fld>
             <a:endParaRPr lang="zh-CN" altLang="en-US"/>
           </a:p>
@@ -33142,7 +31951,7 @@
           <a:p>
             <a:fld id="{F60400FF-4432-4A07-BC41-0BBF02C4B763}" type="datetime1">
               <a:rPr lang="zh-CN" altLang="en-US" smtClean="0"/>
-              <a:t>2015/5/10</a:t>
+              <a:t>2015/5/12</a:t>
             </a:fld>
             <a:endParaRPr lang="zh-CN" altLang="en-US"/>
           </a:p>
@@ -33260,7 +32069,7 @@
           <a:p>
             <a:fld id="{6BF0DCD7-95BA-44EF-B27B-93C68B78FB22}" type="datetime1">
               <a:rPr lang="zh-CN" altLang="en-US" smtClean="0"/>
-              <a:t>2015/5/10</a:t>
+              <a:t>2015/5/12</a:t>
             </a:fld>
             <a:endParaRPr lang="zh-CN" altLang="en-US"/>
           </a:p>
@@ -33575,7 +32384,7 @@
           <a:p>
             <a:fld id="{964C691B-2722-46FB-A50B-180DFFDF83D7}" type="datetime1">
               <a:rPr lang="zh-CN" altLang="en-US" smtClean="0"/>
-              <a:t>2015/5/10</a:t>
+              <a:t>2015/5/12</a:t>
             </a:fld>
             <a:endParaRPr lang="zh-CN" altLang="en-US"/>
           </a:p>
@@ -33878,7 +32687,7 @@
           <a:p>
             <a:fld id="{EFD248A0-C1A0-42DB-B43F-D28B5016533C}" type="datetime1">
               <a:rPr lang="zh-CN" altLang="en-US" smtClean="0"/>
-              <a:t>2015/5/10</a:t>
+              <a:t>2015/5/12</a:t>
             </a:fld>
             <a:endParaRPr lang="zh-CN" altLang="en-US"/>
           </a:p>
@@ -34151,7 +32960,7 @@
           <a:p>
             <a:fld id="{BDCFF075-8C81-4683-A683-46B692FA080A}" type="datetime1">
               <a:rPr lang="zh-CN" altLang="en-US" smtClean="0"/>
-              <a:t>2015/5/10</a:t>
+              <a:t>2015/5/12</a:t>
             </a:fld>
             <a:endParaRPr lang="zh-CN" altLang="en-US"/>
           </a:p>
@@ -38346,12 +37155,12 @@
           <a:graphicData uri="http://schemas.openxmlformats.org/presentationml/2006/ole">
             <mc:AlternateContent xmlns:mc="http://schemas.openxmlformats.org/markup-compatibility/2006">
               <mc:Choice xmlns:v="urn:schemas-microsoft-com:vml" Requires="v">
-                <p:oleObj spid="_x0000_s42016" r:id="rId3" imgW="7048433" imgH="1571557" progId="Visio.Drawing.15">
+                <p:oleObj spid="_x0000_s42020" r:id="rId4" imgW="7048433" imgH="1571557" progId="Visio.Drawing.15">
                   <p:embed/>
                 </p:oleObj>
               </mc:Choice>
               <mc:Fallback>
-                <p:oleObj r:id="rId3" imgW="7048433" imgH="1571557" progId="Visio.Drawing.15">
+                <p:oleObj r:id="rId4" imgW="7048433" imgH="1571557" progId="Visio.Drawing.15">
                   <p:embed/>
                   <p:pic>
                     <p:nvPicPr>
@@ -38362,7 +37171,7 @@
                       <p:nvPr/>
                     </p:nvPicPr>
                     <p:blipFill>
-                      <a:blip r:embed="rId4">
+                      <a:blip r:embed="rId5">
                         <a:extLst>
                           <a:ext uri="{28A0092B-C50C-407E-A947-70E740481C1C}">
                             <a14:useLocalDpi xmlns:a14="http://schemas.microsoft.com/office/drawing/2010/main" val="0"/>
@@ -38422,15 +37231,7 @@
                   <a:srgbClr val="FF0000"/>
                 </a:solidFill>
               </a:rPr>
-              <a:t>链接</a:t>
-            </a:r>
-            <a:r>
-              <a:rPr lang="zh-CN" altLang="en-US" b="1" dirty="0" smtClean="0">
-                <a:solidFill>
-                  <a:srgbClr val="FF0000"/>
-                </a:solidFill>
-              </a:rPr>
-              <a:t>的优先级得分</a:t>
+              <a:t>链接的优先级得分</a:t>
             </a:r>
             <a:r>
               <a:rPr lang="zh-CN" altLang="en-US" dirty="0" smtClean="0"/>
@@ -38444,15 +37245,7 @@
           <a:p>
             <a:r>
               <a:rPr lang="zh-CN" altLang="en-US" dirty="0" smtClean="0"/>
-              <a:t>如果链接的优先级得分高于一定阈值，将其子</a:t>
-            </a:r>
-            <a:r>
-              <a:rPr lang="zh-CN" altLang="en-US" dirty="0" smtClean="0"/>
-              <a:t>链接按照其优先级得分插入到</a:t>
-            </a:r>
-            <a:r>
-              <a:rPr lang="zh-CN" altLang="en-US" dirty="0" smtClean="0"/>
-              <a:t>待爬取链接队列中。反之，其丢弃其子链接。</a:t>
+              <a:t>如果链接的优先级得分高于一定阈值，将其子链接按照其优先级得分插入到待爬取链接队列中。反之，其丢弃其子链接。</a:t>
             </a:r>
             <a:endParaRPr lang="zh-CN" altLang="en-US" dirty="0"/>
           </a:p>
@@ -38614,15 +37407,7 @@
             </a:r>
             <a:r>
               <a:rPr lang="zh-CN" altLang="en-US" dirty="0" smtClean="0"/>
-              <a:t>算法的主题</a:t>
-            </a:r>
-            <a:r>
-              <a:rPr lang="zh-CN" altLang="en-US" dirty="0" smtClean="0"/>
-              <a:t>爬虫算法过程如下</a:t>
-            </a:r>
-            <a:r>
-              <a:rPr lang="zh-CN" altLang="en-US" dirty="0" smtClean="0"/>
-              <a:t>：</a:t>
+              <a:t>算法的主题爬虫算法过程如下：</a:t>
             </a:r>
             <a:endParaRPr lang="en-US" altLang="zh-CN" dirty="0" smtClean="0"/>
           </a:p>
@@ -38638,19 +37423,11 @@
             </a:r>
             <a:r>
               <a:rPr lang="zh-CN" altLang="en-US" dirty="0" smtClean="0"/>
-              <a:t>）选择待爬取链接队列</a:t>
-            </a:r>
-            <a:r>
-              <a:rPr lang="zh-CN" altLang="en-US" dirty="0" smtClean="0"/>
-              <a:t>中优先级得分最高</a:t>
+              <a:t>）选择待爬取链接队列中优先级得分最高</a:t>
             </a:r>
             <a:r>
               <a:rPr lang="zh-CN" altLang="zh-CN" dirty="0" smtClean="0"/>
-              <a:t>的</a:t>
-            </a:r>
-            <a:r>
-              <a:rPr lang="zh-CN" altLang="zh-CN" dirty="0" smtClean="0"/>
-              <a:t>链接</a:t>
+              <a:t>的链接</a:t>
             </a:r>
             <a:r>
               <a:rPr lang="zh-CN" altLang="en-US" dirty="0" smtClean="0"/>
@@ -41950,11 +40727,118 @@
           <a:p>
             <a:r>
               <a:rPr lang="zh-CN" altLang="en-US" dirty="0" smtClean="0"/>
-              <a:t>及时推信息推送</a:t>
-            </a:r>
+              <a:t>及时推信息推送系统</a:t>
+            </a:r>
+            <a:endParaRPr lang="zh-CN" altLang="en-US" dirty="0"/>
+          </a:p>
+        </p:txBody>
+      </p:sp>
+      <p:sp>
+        <p:nvSpPr>
+          <p:cNvPr id="3" name="内容占位符 2"/>
+          <p:cNvSpPr>
+            <a:spLocks noGrp="1"/>
+          </p:cNvSpPr>
+          <p:nvPr>
+            <p:ph idx="1"/>
+          </p:nvPr>
+        </p:nvSpPr>
+        <p:spPr/>
+        <p:txBody>
+          <a:bodyPr/>
+          <a:lstStyle/>
+          <a:p>
+            <a:endParaRPr lang="zh-CN" altLang="en-US"/>
+          </a:p>
+        </p:txBody>
+      </p:sp>
+      <p:sp>
+        <p:nvSpPr>
+          <p:cNvPr id="4" name="灯片编号占位符 3"/>
+          <p:cNvSpPr>
+            <a:spLocks noGrp="1"/>
+          </p:cNvSpPr>
+          <p:nvPr>
+            <p:ph type="sldNum" sz="quarter" idx="12"/>
+          </p:nvPr>
+        </p:nvSpPr>
+        <p:spPr/>
+        <p:txBody>
+          <a:bodyPr/>
+          <a:lstStyle/>
+          <a:p>
+            <a:fld id="{1CD898C6-ECB1-4384-8D00-EB908AD33A29}" type="slidenum">
+              <a:rPr lang="zh-CN" altLang="en-US" smtClean="0"/>
+              <a:t>24</a:t>
+            </a:fld>
+            <a:r>
+              <a:rPr lang="en-US" altLang="zh-CN" smtClean="0"/>
+              <a:t>/35</a:t>
+            </a:r>
+            <a:endParaRPr lang="zh-CN" altLang="en-US" dirty="0"/>
+          </a:p>
+        </p:txBody>
+      </p:sp>
+    </p:spTree>
+    <p:extLst>
+      <p:ext uri="{BB962C8B-B14F-4D97-AF65-F5344CB8AC3E}">
+        <p14:creationId xmlns:p14="http://schemas.microsoft.com/office/powerpoint/2010/main" val="1892074522"/>
+      </p:ext>
+    </p:extLst>
+  </p:cSld>
+  <p:clrMapOvr>
+    <a:masterClrMapping/>
+  </p:clrMapOvr>
+  <mc:AlternateContent xmlns:mc="http://schemas.openxmlformats.org/markup-compatibility/2006" xmlns:p14="http://schemas.microsoft.com/office/powerpoint/2010/main">
+    <mc:Choice Requires="p14">
+      <p:transition spd="slow" p14:dur="1300">
+        <p14:pan dir="u"/>
+      </p:transition>
+    </mc:Choice>
+    <mc:Fallback xmlns="">
+      <p:transition spd="slow">
+        <p:fade/>
+      </p:transition>
+    </mc:Fallback>
+  </mc:AlternateContent>
+</p:sld>
+</file>
+
+<file path=ppt/slides/slide25.xml><?xml version="1.0" encoding="utf-8"?>
+<p:sld xmlns:a="http://schemas.openxmlformats.org/drawingml/2006/main" xmlns:r="http://schemas.openxmlformats.org/officeDocument/2006/relationships" xmlns:p="http://schemas.openxmlformats.org/presentationml/2006/main">
+  <p:cSld>
+    <p:spTree>
+      <p:nvGrpSpPr>
+        <p:cNvPr id="1" name=""/>
+        <p:cNvGrpSpPr/>
+        <p:nvPr/>
+      </p:nvGrpSpPr>
+      <p:grpSpPr>
+        <a:xfrm>
+          <a:off x="0" y="0"/>
+          <a:ext cx="0" cy="0"/>
+          <a:chOff x="0" y="0"/>
+          <a:chExt cx="0" cy="0"/>
+        </a:xfrm>
+      </p:grpSpPr>
+      <p:sp>
+        <p:nvSpPr>
+          <p:cNvPr id="2" name="标题 1"/>
+          <p:cNvSpPr>
+            <a:spLocks noGrp="1"/>
+          </p:cNvSpPr>
+          <p:nvPr>
+            <p:ph type="title"/>
+          </p:nvPr>
+        </p:nvSpPr>
+        <p:spPr/>
+        <p:txBody>
+          <a:bodyPr/>
+          <a:lstStyle/>
+          <a:p>
             <a:r>
               <a:rPr lang="zh-CN" altLang="en-US" dirty="0" smtClean="0"/>
-              <a:t>系统</a:t>
+              <a:t>系统整体框架</a:t>
             </a:r>
             <a:r>
               <a:rPr lang="en-US" altLang="zh-CN" dirty="0" smtClean="0"/>
@@ -41985,7 +40869,7 @@
           <a:p>
             <a:fld id="{1CD898C6-ECB1-4384-8D00-EB908AD33A29}" type="slidenum">
               <a:rPr lang="zh-CN" altLang="en-US" smtClean="0"/>
-              <a:t>24</a:t>
+              <a:t>25</a:t>
             </a:fld>
             <a:r>
               <a:rPr lang="en-US" altLang="zh-CN" smtClean="0"/>
@@ -42058,73 +40942,76 @@
           </a:p>
         </p:txBody>
       </p:sp>
-      <p:graphicFrame>
-        <p:nvGraphicFramePr>
-          <p:cNvPr id="6" name="对象 5"/>
-          <p:cNvGraphicFramePr>
-            <a:graphicFrameLocks noChangeAspect="1"/>
-          </p:cNvGraphicFramePr>
-          <p:nvPr>
-            <p:extLst>
-              <p:ext uri="{D42A27DB-BD31-4B8C-83A1-F6EECF244321}">
-                <p14:modId xmlns:p14="http://schemas.microsoft.com/office/powerpoint/2010/main" val="3136529263"/>
-              </p:ext>
-            </p:extLst>
-          </p:nvPr>
-        </p:nvGraphicFramePr>
-        <p:xfrm>
-          <a:off x="1027842" y="2084832"/>
-          <a:ext cx="6770561" cy="4132680"/>
-        </p:xfrm>
-        <a:graphic>
-          <a:graphicData uri="http://schemas.openxmlformats.org/presentationml/2006/ole">
-            <mc:AlternateContent xmlns:mc="http://schemas.openxmlformats.org/markup-compatibility/2006">
-              <mc:Choice xmlns:v="urn:schemas-microsoft-com:vml" Requires="v">
-                <p:oleObj spid="_x0000_s48160" name="Visio" r:id="rId4" imgW="11268159" imgH="6896100" progId="Visio.Drawing.15">
-                  <p:embed/>
-                </p:oleObj>
-              </mc:Choice>
-              <mc:Fallback>
-                <p:oleObj name="Visio" r:id="rId4" imgW="11268159" imgH="6896100" progId="Visio.Drawing.15">
-                  <p:embed/>
-                  <p:pic>
-                    <p:nvPicPr>
-                      <p:cNvPr id="0" name="Object 1"/>
-                      <p:cNvPicPr>
-                        <a:picLocks noChangeAspect="1" noChangeArrowheads="1"/>
-                      </p:cNvPicPr>
-                      <p:nvPr/>
-                    </p:nvPicPr>
-                    <p:blipFill>
-                      <a:blip r:embed="rId5">
-                        <a:extLst>
-                          <a:ext uri="{28A0092B-C50C-407E-A947-70E740481C1C}">
-                            <a14:useLocalDpi xmlns:a14="http://schemas.microsoft.com/office/drawing/2010/main" val="0"/>
-                          </a:ext>
-                        </a:extLst>
-                      </a:blip>
-                      <a:srcRect/>
-                      <a:stretch>
-                        <a:fillRect/>
-                      </a:stretch>
-                    </p:blipFill>
-                    <p:spPr bwMode="auto">
-                      <a:xfrm>
-                        <a:off x="1027842" y="2084832"/>
-                        <a:ext cx="6770561" cy="4132680"/>
-                      </a:xfrm>
-                      <a:prstGeom prst="rect">
-                        <a:avLst/>
-                      </a:prstGeom>
-                      <a:noFill/>
-                    </p:spPr>
-                  </p:pic>
-                </p:oleObj>
-              </mc:Fallback>
-            </mc:AlternateContent>
-          </a:graphicData>
-        </a:graphic>
-      </p:graphicFrame>
+      <p:pic>
+        <p:nvPicPr>
+          <p:cNvPr id="8" name="图片 7"/>
+          <p:cNvPicPr>
+            <a:picLocks noChangeAspect="1"/>
+          </p:cNvPicPr>
+          <p:nvPr/>
+        </p:nvPicPr>
+        <p:blipFill>
+          <a:blip r:embed="rId3"/>
+          <a:stretch>
+            <a:fillRect/>
+          </a:stretch>
+        </p:blipFill>
+        <p:spPr>
+          <a:xfrm>
+            <a:off x="733841" y="1756920"/>
+            <a:ext cx="8233527" cy="4988104"/>
+          </a:xfrm>
+          <a:prstGeom prst="rect">
+            <a:avLst/>
+          </a:prstGeom>
+        </p:spPr>
+      </p:pic>
+      <p:sp>
+        <p:nvSpPr>
+          <p:cNvPr id="9" name="矩形 8"/>
+          <p:cNvSpPr/>
+          <p:nvPr/>
+        </p:nvSpPr>
+        <p:spPr>
+          <a:xfrm>
+            <a:off x="1907704" y="6003920"/>
+            <a:ext cx="2505419" cy="521424"/>
+          </a:xfrm>
+          <a:prstGeom prst="rect">
+            <a:avLst/>
+          </a:prstGeom>
+          <a:noFill/>
+          <a:ln w="28575">
+            <a:solidFill>
+              <a:srgbClr val="C00000"/>
+            </a:solidFill>
+          </a:ln>
+        </p:spPr>
+        <p:style>
+          <a:lnRef idx="2">
+            <a:schemeClr val="accent1">
+              <a:shade val="50000"/>
+            </a:schemeClr>
+          </a:lnRef>
+          <a:fillRef idx="1">
+            <a:schemeClr val="accent1"/>
+          </a:fillRef>
+          <a:effectRef idx="0">
+            <a:schemeClr val="accent1"/>
+          </a:effectRef>
+          <a:fontRef idx="minor">
+            <a:schemeClr val="lt1"/>
+          </a:fontRef>
+        </p:style>
+        <p:txBody>
+          <a:bodyPr rtlCol="0" anchor="ctr"/>
+          <a:lstStyle/>
+          <a:p>
+            <a:pPr algn="ctr"/>
+            <a:endParaRPr lang="zh-CN" altLang="en-US" dirty="0"/>
+          </a:p>
+        </p:txBody>
+      </p:sp>
     </p:spTree>
     <p:extLst>
       <p:ext uri="{BB962C8B-B14F-4D97-AF65-F5344CB8AC3E}">
@@ -42157,7 +41044,7 @@
 </p:sld>
 </file>
 
-<file path=ppt/slides/slide25.xml><?xml version="1.0" encoding="utf-8"?>
+<file path=ppt/slides/slide26.xml><?xml version="1.0" encoding="utf-8"?>
 <p:sld xmlns:a="http://schemas.openxmlformats.org/drawingml/2006/main" xmlns:r="http://schemas.openxmlformats.org/officeDocument/2006/relationships" xmlns:p="http://schemas.openxmlformats.org/presentationml/2006/main">
   <p:cSld>
     <p:spTree>
@@ -42190,9 +41077,128 @@
           <a:lstStyle/>
           <a:p>
             <a:r>
-              <a:rPr lang="zh-CN" altLang="en-US" dirty="0"/>
-              <a:t>及时推信息推送系统</a:t>
-            </a:r>
+              <a:rPr lang="zh-CN" altLang="en-US" dirty="0" smtClean="0"/>
+              <a:t>爬虫子系统</a:t>
+            </a:r>
+            <a:endParaRPr lang="zh-CN" altLang="en-US" dirty="0"/>
+          </a:p>
+        </p:txBody>
+      </p:sp>
+      <p:pic>
+        <p:nvPicPr>
+          <p:cNvPr id="5" name="内容占位符 4"/>
+          <p:cNvPicPr>
+            <a:picLocks noGrp="1" noChangeAspect="1"/>
+          </p:cNvPicPr>
+          <p:nvPr>
+            <p:ph idx="1"/>
+          </p:nvPr>
+        </p:nvPicPr>
+        <p:blipFill>
+          <a:blip r:embed="rId2"/>
+          <a:stretch>
+            <a:fillRect/>
+          </a:stretch>
+        </p:blipFill>
+        <p:spPr>
+          <a:xfrm>
+            <a:off x="1691680" y="2204864"/>
+            <a:ext cx="5695200" cy="2347650"/>
+          </a:xfrm>
+          <a:prstGeom prst="rect">
+            <a:avLst/>
+          </a:prstGeom>
+        </p:spPr>
+      </p:pic>
+      <p:sp>
+        <p:nvSpPr>
+          <p:cNvPr id="4" name="灯片编号占位符 3"/>
+          <p:cNvSpPr>
+            <a:spLocks noGrp="1"/>
+          </p:cNvSpPr>
+          <p:nvPr>
+            <p:ph type="sldNum" sz="quarter" idx="12"/>
+          </p:nvPr>
+        </p:nvSpPr>
+        <p:spPr/>
+        <p:txBody>
+          <a:bodyPr/>
+          <a:lstStyle/>
+          <a:p>
+            <a:fld id="{1CD898C6-ECB1-4384-8D00-EB908AD33A29}" type="slidenum">
+              <a:rPr lang="zh-CN" altLang="en-US" smtClean="0"/>
+              <a:t>26</a:t>
+            </a:fld>
+            <a:r>
+              <a:rPr lang="en-US" altLang="zh-CN" smtClean="0"/>
+              <a:t>/35</a:t>
+            </a:r>
+            <a:endParaRPr lang="zh-CN" altLang="en-US" dirty="0"/>
+          </a:p>
+        </p:txBody>
+      </p:sp>
+    </p:spTree>
+    <p:extLst>
+      <p:ext uri="{BB962C8B-B14F-4D97-AF65-F5344CB8AC3E}">
+        <p14:creationId xmlns:p14="http://schemas.microsoft.com/office/powerpoint/2010/main" val="599639832"/>
+      </p:ext>
+    </p:extLst>
+  </p:cSld>
+  <p:clrMapOvr>
+    <a:masterClrMapping/>
+  </p:clrMapOvr>
+  <mc:AlternateContent xmlns:mc="http://schemas.openxmlformats.org/markup-compatibility/2006" xmlns:p14="http://schemas.microsoft.com/office/powerpoint/2010/main">
+    <mc:Choice Requires="p14">
+      <p:transition spd="slow" p14:dur="1300">
+        <p14:pan dir="u"/>
+      </p:transition>
+    </mc:Choice>
+    <mc:Fallback xmlns="">
+      <p:transition spd="slow">
+        <p:fade/>
+      </p:transition>
+    </mc:Fallback>
+  </mc:AlternateContent>
+</p:sld>
+</file>
+
+<file path=ppt/slides/slide27.xml><?xml version="1.0" encoding="utf-8"?>
+<p:sld xmlns:a="http://schemas.openxmlformats.org/drawingml/2006/main" xmlns:r="http://schemas.openxmlformats.org/officeDocument/2006/relationships" xmlns:p="http://schemas.openxmlformats.org/presentationml/2006/main">
+  <p:cSld>
+    <p:spTree>
+      <p:nvGrpSpPr>
+        <p:cNvPr id="1" name=""/>
+        <p:cNvGrpSpPr/>
+        <p:nvPr/>
+      </p:nvGrpSpPr>
+      <p:grpSpPr>
+        <a:xfrm>
+          <a:off x="0" y="0"/>
+          <a:ext cx="0" cy="0"/>
+          <a:chOff x="0" y="0"/>
+          <a:chExt cx="0" cy="0"/>
+        </a:xfrm>
+      </p:grpSpPr>
+      <p:sp>
+        <p:nvSpPr>
+          <p:cNvPr id="2" name="标题 1"/>
+          <p:cNvSpPr>
+            <a:spLocks noGrp="1"/>
+          </p:cNvSpPr>
+          <p:nvPr>
+            <p:ph type="title"/>
+          </p:nvPr>
+        </p:nvSpPr>
+        <p:spPr/>
+        <p:txBody>
+          <a:bodyPr/>
+          <a:lstStyle/>
+          <a:p>
+            <a:r>
+              <a:rPr lang="zh-CN" altLang="en-US" dirty="0" smtClean="0"/>
+              <a:t>爬虫子系统实现效果</a:t>
+            </a:r>
+            <a:endParaRPr lang="zh-CN" altLang="en-US" dirty="0"/>
           </a:p>
         </p:txBody>
       </p:sp>
@@ -42213,7 +41219,7 @@
           <a:p>
             <a:fld id="{1CD898C6-ECB1-4384-8D00-EB908AD33A29}" type="slidenum">
               <a:rPr lang="zh-CN" altLang="en-US" smtClean="0"/>
-              <a:t>25</a:t>
+              <a:t>27</a:t>
             </a:fld>
             <a:r>
               <a:rPr lang="en-US" altLang="zh-CN" smtClean="0"/>
@@ -42274,7 +41280,7 @@
 </p:sld>
 </file>
 
-<file path=ppt/slides/slide26.xml><?xml version="1.0" encoding="utf-8"?>
+<file path=ppt/slides/slide28.xml><?xml version="1.0" encoding="utf-8"?>
 <p:sld xmlns:a="http://schemas.openxmlformats.org/drawingml/2006/main" xmlns:r="http://schemas.openxmlformats.org/officeDocument/2006/relationships" xmlns:p="http://schemas.openxmlformats.org/presentationml/2006/main">
   <p:cSld>
     <p:spTree>
@@ -42308,6 +41314,117 @@
           <a:p>
             <a:r>
               <a:rPr lang="zh-CN" altLang="en-US" dirty="0" smtClean="0"/>
+              <a:t>信息推送子系统</a:t>
+            </a:r>
+            <a:endParaRPr lang="zh-CN" altLang="en-US" dirty="0"/>
+          </a:p>
+        </p:txBody>
+      </p:sp>
+      <p:sp>
+        <p:nvSpPr>
+          <p:cNvPr id="3" name="内容占位符 2"/>
+          <p:cNvSpPr>
+            <a:spLocks noGrp="1"/>
+          </p:cNvSpPr>
+          <p:nvPr>
+            <p:ph idx="1"/>
+          </p:nvPr>
+        </p:nvSpPr>
+        <p:spPr/>
+        <p:txBody>
+          <a:bodyPr/>
+          <a:lstStyle/>
+          <a:p>
+            <a:endParaRPr lang="zh-CN" altLang="en-US"/>
+          </a:p>
+        </p:txBody>
+      </p:sp>
+      <p:sp>
+        <p:nvSpPr>
+          <p:cNvPr id="4" name="灯片编号占位符 3"/>
+          <p:cNvSpPr>
+            <a:spLocks noGrp="1"/>
+          </p:cNvSpPr>
+          <p:nvPr>
+            <p:ph type="sldNum" sz="quarter" idx="12"/>
+          </p:nvPr>
+        </p:nvSpPr>
+        <p:spPr/>
+        <p:txBody>
+          <a:bodyPr/>
+          <a:lstStyle/>
+          <a:p>
+            <a:fld id="{1CD898C6-ECB1-4384-8D00-EB908AD33A29}" type="slidenum">
+              <a:rPr lang="zh-CN" altLang="en-US" smtClean="0"/>
+              <a:t>28</a:t>
+            </a:fld>
+            <a:r>
+              <a:rPr lang="en-US" altLang="zh-CN" smtClean="0"/>
+              <a:t>/35</a:t>
+            </a:r>
+            <a:endParaRPr lang="zh-CN" altLang="en-US" dirty="0"/>
+          </a:p>
+        </p:txBody>
+      </p:sp>
+    </p:spTree>
+    <p:extLst>
+      <p:ext uri="{BB962C8B-B14F-4D97-AF65-F5344CB8AC3E}">
+        <p14:creationId xmlns:p14="http://schemas.microsoft.com/office/powerpoint/2010/main" val="4239552227"/>
+      </p:ext>
+    </p:extLst>
+  </p:cSld>
+  <p:clrMapOvr>
+    <a:masterClrMapping/>
+  </p:clrMapOvr>
+  <mc:AlternateContent xmlns:mc="http://schemas.openxmlformats.org/markup-compatibility/2006" xmlns:p14="http://schemas.microsoft.com/office/powerpoint/2010/main">
+    <mc:Choice Requires="p14">
+      <p:transition spd="slow" p14:dur="1300">
+        <p14:pan dir="u"/>
+      </p:transition>
+    </mc:Choice>
+    <mc:Fallback xmlns="">
+      <p:transition spd="slow">
+        <p:fade/>
+      </p:transition>
+    </mc:Fallback>
+  </mc:AlternateContent>
+</p:sld>
+</file>
+
+<file path=ppt/slides/slide29.xml><?xml version="1.0" encoding="utf-8"?>
+<p:sld xmlns:a="http://schemas.openxmlformats.org/drawingml/2006/main" xmlns:r="http://schemas.openxmlformats.org/officeDocument/2006/relationships" xmlns:p="http://schemas.openxmlformats.org/presentationml/2006/main">
+  <p:cSld>
+    <p:spTree>
+      <p:nvGrpSpPr>
+        <p:cNvPr id="1" name=""/>
+        <p:cNvGrpSpPr/>
+        <p:nvPr/>
+      </p:nvGrpSpPr>
+      <p:grpSpPr>
+        <a:xfrm>
+          <a:off x="0" y="0"/>
+          <a:ext cx="0" cy="0"/>
+          <a:chOff x="0" y="0"/>
+          <a:chExt cx="0" cy="0"/>
+        </a:xfrm>
+      </p:grpSpPr>
+      <p:sp>
+        <p:nvSpPr>
+          <p:cNvPr id="2" name="标题 1"/>
+          <p:cNvSpPr>
+            <a:spLocks noGrp="1"/>
+          </p:cNvSpPr>
+          <p:nvPr>
+            <p:ph type="title"/>
+          </p:nvPr>
+        </p:nvSpPr>
+        <p:spPr/>
+        <p:txBody>
+          <a:bodyPr/>
+          <a:lstStyle/>
+          <a:p>
+            <a:r>
+              <a:rPr lang="zh-CN" altLang="en-US" dirty="0" smtClean="0"/>
               <a:t>及时推信息推送系统界面</a:t>
             </a:r>
             <a:endParaRPr lang="zh-CN" altLang="en-US" dirty="0"/>
@@ -42331,7 +41448,7 @@
           <a:p>
             <a:fld id="{1CD898C6-ECB1-4384-8D00-EB908AD33A29}" type="slidenum">
               <a:rPr lang="zh-CN" altLang="en-US" smtClean="0"/>
-              <a:t>26</a:t>
+              <a:t>29</a:t>
             </a:fld>
             <a:r>
               <a:rPr lang="en-US" altLang="zh-CN" smtClean="0"/>
@@ -42454,7 +41571,1188 @@
 </p:sld>
 </file>
 
-<file path=ppt/slides/slide27.xml><?xml version="1.0" encoding="utf-8"?>
+<file path=ppt/slides/slide3.xml><?xml version="1.0" encoding="utf-8"?>
+<p:sld xmlns:a="http://schemas.openxmlformats.org/drawingml/2006/main" xmlns:r="http://schemas.openxmlformats.org/officeDocument/2006/relationships" xmlns:p="http://schemas.openxmlformats.org/presentationml/2006/main">
+  <p:cSld>
+    <p:spTree>
+      <p:nvGrpSpPr>
+        <p:cNvPr id="1" name=""/>
+        <p:cNvGrpSpPr/>
+        <p:nvPr/>
+      </p:nvGrpSpPr>
+      <p:grpSpPr>
+        <a:xfrm>
+          <a:off x="0" y="0"/>
+          <a:ext cx="0" cy="0"/>
+          <a:chOff x="0" y="0"/>
+          <a:chExt cx="0" cy="0"/>
+        </a:xfrm>
+      </p:grpSpPr>
+      <p:sp>
+        <p:nvSpPr>
+          <p:cNvPr id="6" name="灯片编号占位符 5"/>
+          <p:cNvSpPr>
+            <a:spLocks noGrp="1"/>
+          </p:cNvSpPr>
+          <p:nvPr>
+            <p:ph type="sldNum" sz="quarter" idx="12"/>
+          </p:nvPr>
+        </p:nvSpPr>
+        <p:spPr/>
+        <p:txBody>
+          <a:bodyPr/>
+          <a:lstStyle/>
+          <a:p>
+            <a:fld id="{1CD898C6-ECB1-4384-8D00-EB908AD33A29}" type="slidenum">
+              <a:rPr lang="zh-CN" altLang="en-US" smtClean="0">
+                <a:solidFill>
+                  <a:prstClr val="black">
+                    <a:lumMod val="65000"/>
+                    <a:lumOff val="35000"/>
+                  </a:prstClr>
+                </a:solidFill>
+              </a:rPr>
+              <a:pPr/>
+              <a:t>3</a:t>
+            </a:fld>
+            <a:r>
+              <a:rPr lang="en-US" altLang="zh-CN" smtClean="0">
+                <a:solidFill>
+                  <a:prstClr val="black">
+                    <a:lumMod val="65000"/>
+                    <a:lumOff val="35000"/>
+                  </a:prstClr>
+                </a:solidFill>
+              </a:rPr>
+              <a:t>/35</a:t>
+            </a:r>
+            <a:endParaRPr lang="zh-CN" altLang="en-US" dirty="0">
+              <a:solidFill>
+                <a:prstClr val="black">
+                  <a:lumMod val="65000"/>
+                  <a:lumOff val="35000"/>
+                </a:prstClr>
+              </a:solidFill>
+            </a:endParaRPr>
+          </a:p>
+        </p:txBody>
+      </p:sp>
+      <p:sp>
+        <p:nvSpPr>
+          <p:cNvPr id="5" name="Rectangle 2"/>
+          <p:cNvSpPr>
+            <a:spLocks noChangeArrowheads="1"/>
+          </p:cNvSpPr>
+          <p:nvPr/>
+        </p:nvSpPr>
+        <p:spPr bwMode="auto">
+          <a:xfrm>
+            <a:off x="0" y="0"/>
+            <a:ext cx="9144000" cy="0"/>
+          </a:xfrm>
+          <a:prstGeom prst="rect">
+            <a:avLst/>
+          </a:prstGeom>
+          <a:noFill/>
+          <a:ln>
+            <a:noFill/>
+          </a:ln>
+          <a:effectLst/>
+          <a:extLst>
+            <a:ext uri="{909E8E84-426E-40DD-AFC4-6F175D3DCCD1}">
+              <a14:hiddenFill xmlns:a14="http://schemas.microsoft.com/office/drawing/2010/main">
+                <a:solidFill>
+                  <a:schemeClr val="accent1"/>
+                </a:solidFill>
+              </a14:hiddenFill>
+            </a:ext>
+            <a:ext uri="{91240B29-F687-4F45-9708-019B960494DF}">
+              <a14:hiddenLine xmlns:a14="http://schemas.microsoft.com/office/drawing/2010/main" w="9525">
+                <a:solidFill>
+                  <a:schemeClr val="tx1"/>
+                </a:solidFill>
+                <a:miter lim="800000"/>
+                <a:headEnd/>
+                <a:tailEnd/>
+              </a14:hiddenLine>
+            </a:ext>
+            <a:ext uri="{AF507438-7753-43E0-B8FC-AC1667EBCBE1}">
+              <a14:hiddenEffects xmlns:a14="http://schemas.microsoft.com/office/drawing/2010/main">
+                <a:effectLst>
+                  <a:outerShdw dist="35921" dir="2700000" algn="ctr" rotWithShape="0">
+                    <a:schemeClr val="bg2"/>
+                  </a:outerShdw>
+                </a:effectLst>
+              </a14:hiddenEffects>
+            </a:ext>
+          </a:extLst>
+        </p:spPr>
+        <p:txBody>
+          <a:bodyPr vert="horz" wrap="none" lIns="91440" tIns="45720" rIns="91440" bIns="45720" numCol="1" anchor="ctr" anchorCtr="0" compatLnSpc="1">
+            <a:prstTxWarp prst="textNoShape">
+              <a:avLst/>
+            </a:prstTxWarp>
+            <a:spAutoFit/>
+          </a:bodyPr>
+          <a:lstStyle/>
+          <a:p>
+            <a:endParaRPr lang="zh-CN" altLang="en-US">
+              <a:solidFill>
+                <a:prstClr val="black"/>
+              </a:solidFill>
+            </a:endParaRPr>
+          </a:p>
+        </p:txBody>
+      </p:sp>
+      <p:sp>
+        <p:nvSpPr>
+          <p:cNvPr id="14" name="矩形 13"/>
+          <p:cNvSpPr/>
+          <p:nvPr/>
+        </p:nvSpPr>
+        <p:spPr>
+          <a:xfrm>
+            <a:off x="611560" y="1988840"/>
+            <a:ext cx="3412671" cy="2448272"/>
+          </a:xfrm>
+          <a:prstGeom prst="rect">
+            <a:avLst/>
+          </a:prstGeom>
+          <a:noFill/>
+        </p:spPr>
+        <p:style>
+          <a:lnRef idx="2">
+            <a:schemeClr val="dk1"/>
+          </a:lnRef>
+          <a:fillRef idx="1">
+            <a:schemeClr val="lt1"/>
+          </a:fillRef>
+          <a:effectRef idx="0">
+            <a:schemeClr val="dk1"/>
+          </a:effectRef>
+          <a:fontRef idx="minor">
+            <a:schemeClr val="dk1"/>
+          </a:fontRef>
+        </p:style>
+        <p:txBody>
+          <a:bodyPr rtlCol="0" anchor="ctr"/>
+          <a:lstStyle/>
+          <a:p>
+            <a:pPr algn="ctr"/>
+            <a:endParaRPr lang="zh-CN" altLang="en-US" sz="1350"/>
+          </a:p>
+        </p:txBody>
+      </p:sp>
+      <p:sp>
+        <p:nvSpPr>
+          <p:cNvPr id="15" name="矩形 14"/>
+          <p:cNvSpPr/>
+          <p:nvPr/>
+        </p:nvSpPr>
+        <p:spPr>
+          <a:xfrm>
+            <a:off x="4685538" y="1988840"/>
+            <a:ext cx="3412671" cy="1669433"/>
+          </a:xfrm>
+          <a:prstGeom prst="rect">
+            <a:avLst/>
+          </a:prstGeom>
+          <a:noFill/>
+        </p:spPr>
+        <p:style>
+          <a:lnRef idx="2">
+            <a:schemeClr val="dk1"/>
+          </a:lnRef>
+          <a:fillRef idx="1">
+            <a:schemeClr val="lt1"/>
+          </a:fillRef>
+          <a:effectRef idx="0">
+            <a:schemeClr val="dk1"/>
+          </a:effectRef>
+          <a:fontRef idx="minor">
+            <a:schemeClr val="dk1"/>
+          </a:fontRef>
+        </p:style>
+        <p:txBody>
+          <a:bodyPr rtlCol="0" anchor="ctr"/>
+          <a:lstStyle/>
+          <a:p>
+            <a:pPr algn="ctr"/>
+            <a:endParaRPr lang="zh-CN" altLang="en-US" sz="1350"/>
+          </a:p>
+        </p:txBody>
+      </p:sp>
+      <p:sp>
+        <p:nvSpPr>
+          <p:cNvPr id="16" name="文本框 15"/>
+          <p:cNvSpPr txBox="1"/>
+          <p:nvPr/>
+        </p:nvSpPr>
+        <p:spPr>
+          <a:xfrm>
+            <a:off x="971600" y="4487778"/>
+            <a:ext cx="2880320" cy="369332"/>
+          </a:xfrm>
+          <a:prstGeom prst="rect">
+            <a:avLst/>
+          </a:prstGeom>
+          <a:noFill/>
+        </p:spPr>
+        <p:txBody>
+          <a:bodyPr wrap="square" rtlCol="0">
+            <a:spAutoFit/>
+          </a:bodyPr>
+          <a:lstStyle/>
+          <a:p>
+            <a:r>
+              <a:rPr lang="zh-CN" altLang="en-US" b="1" dirty="0">
+                <a:solidFill>
+                  <a:srgbClr val="FF0000"/>
+                </a:solidFill>
+                <a:latin typeface="仿宋" panose="02010609060101010101" pitchFamily="49" charset="-122"/>
+                <a:ea typeface="仿宋" panose="02010609060101010101" pitchFamily="49" charset="-122"/>
+              </a:rPr>
+              <a:t>数据</a:t>
+            </a:r>
+            <a:r>
+              <a:rPr lang="zh-CN" altLang="en-US" b="1" dirty="0" smtClean="0">
+                <a:solidFill>
+                  <a:srgbClr val="FF0000"/>
+                </a:solidFill>
+                <a:latin typeface="仿宋" panose="02010609060101010101" pitchFamily="49" charset="-122"/>
+                <a:ea typeface="仿宋" panose="02010609060101010101" pitchFamily="49" charset="-122"/>
+              </a:rPr>
+              <a:t>量大且搜索难度高</a:t>
+            </a:r>
+            <a:endParaRPr lang="zh-CN" altLang="en-US" b="1" dirty="0">
+              <a:solidFill>
+                <a:srgbClr val="FF0000"/>
+              </a:solidFill>
+              <a:latin typeface="仿宋" panose="02010609060101010101" pitchFamily="49" charset="-122"/>
+              <a:ea typeface="仿宋" panose="02010609060101010101" pitchFamily="49" charset="-122"/>
+            </a:endParaRPr>
+          </a:p>
+        </p:txBody>
+      </p:sp>
+      <p:sp>
+        <p:nvSpPr>
+          <p:cNvPr id="17" name="内容占位符 10"/>
+          <p:cNvSpPr txBox="1">
+            <a:spLocks/>
+          </p:cNvSpPr>
+          <p:nvPr/>
+        </p:nvSpPr>
+        <p:spPr>
+          <a:xfrm>
+            <a:off x="4685538" y="2107356"/>
+            <a:ext cx="3342846" cy="1550917"/>
+          </a:xfrm>
+          <a:prstGeom prst="rect">
+            <a:avLst/>
+          </a:prstGeom>
+        </p:spPr>
+        <p:txBody>
+          <a:bodyPr vert="horz" lIns="34290" tIns="34290" rIns="34290" bIns="34290" rtlCol="0">
+            <a:normAutofit/>
+          </a:bodyPr>
+          <a:lstStyle>
+            <a:lvl1pPr marL="91440" indent="-91440" algn="l" defTabSz="914400" rtl="0" eaLnBrk="1" latinLnBrk="0" hangingPunct="1">
+              <a:lnSpc>
+                <a:spcPct val="90000"/>
+              </a:lnSpc>
+              <a:spcBef>
+                <a:spcPts val="1200"/>
+              </a:spcBef>
+              <a:spcAft>
+                <a:spcPts val="200"/>
+              </a:spcAft>
+              <a:buClr>
+                <a:schemeClr val="accent1"/>
+              </a:buClr>
+              <a:buSzPct val="100000"/>
+              <a:buFont typeface="Tw Cen MT" panose="020B0602020104020603" pitchFamily="34" charset="0"/>
+              <a:buChar char=" "/>
+              <a:defRPr sz="2200" kern="1200">
+                <a:solidFill>
+                  <a:schemeClr val="tx1"/>
+                </a:solidFill>
+                <a:latin typeface="+mn-lt"/>
+                <a:ea typeface="+mn-ea"/>
+                <a:cs typeface="+mn-cs"/>
+              </a:defRPr>
+            </a:lvl1pPr>
+            <a:lvl2pPr marL="265176" indent="-137160" algn="l" defTabSz="914400" rtl="0" eaLnBrk="1" latinLnBrk="0" hangingPunct="1">
+              <a:lnSpc>
+                <a:spcPct val="90000"/>
+              </a:lnSpc>
+              <a:spcBef>
+                <a:spcPts val="200"/>
+              </a:spcBef>
+              <a:spcAft>
+                <a:spcPts val="400"/>
+              </a:spcAft>
+              <a:buClr>
+                <a:schemeClr val="accent1"/>
+              </a:buClr>
+              <a:buFont typeface="Wingdings 3" pitchFamily="18" charset="2"/>
+              <a:buChar char=""/>
+              <a:defRPr sz="1800" kern="1200">
+                <a:solidFill>
+                  <a:schemeClr val="tx1"/>
+                </a:solidFill>
+                <a:latin typeface="+mn-lt"/>
+                <a:ea typeface="+mn-ea"/>
+                <a:cs typeface="+mn-cs"/>
+              </a:defRPr>
+            </a:lvl2pPr>
+            <a:lvl3pPr marL="448056" indent="-137160" algn="l" defTabSz="914400" rtl="0" eaLnBrk="1" latinLnBrk="0" hangingPunct="1">
+              <a:lnSpc>
+                <a:spcPct val="90000"/>
+              </a:lnSpc>
+              <a:spcBef>
+                <a:spcPts val="200"/>
+              </a:spcBef>
+              <a:spcAft>
+                <a:spcPts val="400"/>
+              </a:spcAft>
+              <a:buClr>
+                <a:schemeClr val="accent1"/>
+              </a:buClr>
+              <a:buFont typeface="Wingdings 3" pitchFamily="18" charset="2"/>
+              <a:buChar char=""/>
+              <a:defRPr sz="1400" kern="1200">
+                <a:solidFill>
+                  <a:schemeClr val="tx1"/>
+                </a:solidFill>
+                <a:latin typeface="+mn-lt"/>
+                <a:ea typeface="+mn-ea"/>
+                <a:cs typeface="+mn-cs"/>
+              </a:defRPr>
+            </a:lvl3pPr>
+            <a:lvl4pPr marL="594360" indent="-137160" algn="l" defTabSz="914400" rtl="0" eaLnBrk="1" latinLnBrk="0" hangingPunct="1">
+              <a:lnSpc>
+                <a:spcPct val="90000"/>
+              </a:lnSpc>
+              <a:spcBef>
+                <a:spcPts val="200"/>
+              </a:spcBef>
+              <a:spcAft>
+                <a:spcPts val="400"/>
+              </a:spcAft>
+              <a:buClr>
+                <a:schemeClr val="accent1"/>
+              </a:buClr>
+              <a:buFont typeface="Wingdings 3" pitchFamily="18" charset="2"/>
+              <a:buChar char=""/>
+              <a:defRPr sz="1400" kern="1200">
+                <a:solidFill>
+                  <a:schemeClr val="tx1"/>
+                </a:solidFill>
+                <a:latin typeface="+mn-lt"/>
+                <a:ea typeface="+mn-ea"/>
+                <a:cs typeface="+mn-cs"/>
+              </a:defRPr>
+            </a:lvl4pPr>
+            <a:lvl5pPr marL="777240" indent="-137160" algn="l" defTabSz="914400" rtl="0" eaLnBrk="1" latinLnBrk="0" hangingPunct="1">
+              <a:lnSpc>
+                <a:spcPct val="90000"/>
+              </a:lnSpc>
+              <a:spcBef>
+                <a:spcPts val="200"/>
+              </a:spcBef>
+              <a:spcAft>
+                <a:spcPts val="400"/>
+              </a:spcAft>
+              <a:buClr>
+                <a:schemeClr val="accent1"/>
+              </a:buClr>
+              <a:buFont typeface="Wingdings 3" pitchFamily="18" charset="2"/>
+              <a:buChar char=""/>
+              <a:defRPr sz="1400" kern="1200">
+                <a:solidFill>
+                  <a:schemeClr val="tx1"/>
+                </a:solidFill>
+                <a:latin typeface="+mn-lt"/>
+                <a:ea typeface="+mn-ea"/>
+                <a:cs typeface="+mn-cs"/>
+              </a:defRPr>
+            </a:lvl5pPr>
+            <a:lvl6pPr marL="914400" indent="-137160" algn="l" defTabSz="914400" rtl="0" eaLnBrk="1" latinLnBrk="0" hangingPunct="1">
+              <a:lnSpc>
+                <a:spcPct val="90000"/>
+              </a:lnSpc>
+              <a:spcBef>
+                <a:spcPts val="200"/>
+              </a:spcBef>
+              <a:spcAft>
+                <a:spcPts val="400"/>
+              </a:spcAft>
+              <a:buClr>
+                <a:schemeClr val="accent1"/>
+              </a:buClr>
+              <a:buFont typeface="Wingdings 3" pitchFamily="18" charset="2"/>
+              <a:buChar char=""/>
+              <a:defRPr sz="1400" kern="1200">
+                <a:solidFill>
+                  <a:schemeClr val="tx1"/>
+                </a:solidFill>
+                <a:latin typeface="+mn-lt"/>
+                <a:ea typeface="+mn-ea"/>
+                <a:cs typeface="+mn-cs"/>
+              </a:defRPr>
+            </a:lvl6pPr>
+            <a:lvl7pPr marL="1060704" indent="-137160" algn="l" defTabSz="914400" rtl="0" eaLnBrk="1" latinLnBrk="0" hangingPunct="1">
+              <a:lnSpc>
+                <a:spcPct val="90000"/>
+              </a:lnSpc>
+              <a:spcBef>
+                <a:spcPts val="200"/>
+              </a:spcBef>
+              <a:spcAft>
+                <a:spcPts val="400"/>
+              </a:spcAft>
+              <a:buClr>
+                <a:schemeClr val="accent1"/>
+              </a:buClr>
+              <a:buFont typeface="Wingdings 3" pitchFamily="18" charset="2"/>
+              <a:buChar char=""/>
+              <a:defRPr sz="1400" kern="1200">
+                <a:solidFill>
+                  <a:schemeClr val="tx1"/>
+                </a:solidFill>
+                <a:latin typeface="+mn-lt"/>
+                <a:ea typeface="+mn-ea"/>
+                <a:cs typeface="+mn-cs"/>
+              </a:defRPr>
+            </a:lvl7pPr>
+            <a:lvl8pPr marL="1216152" indent="-137160" algn="l" defTabSz="914400" rtl="0" eaLnBrk="1" latinLnBrk="0" hangingPunct="1">
+              <a:lnSpc>
+                <a:spcPct val="90000"/>
+              </a:lnSpc>
+              <a:spcBef>
+                <a:spcPts val="200"/>
+              </a:spcBef>
+              <a:spcAft>
+                <a:spcPts val="400"/>
+              </a:spcAft>
+              <a:buClr>
+                <a:schemeClr val="accent1"/>
+              </a:buClr>
+              <a:buFont typeface="Wingdings 3" pitchFamily="18" charset="2"/>
+              <a:buChar char=""/>
+              <a:defRPr sz="1400" kern="1200">
+                <a:solidFill>
+                  <a:schemeClr val="tx1"/>
+                </a:solidFill>
+                <a:latin typeface="+mn-lt"/>
+                <a:ea typeface="+mn-ea"/>
+                <a:cs typeface="+mn-cs"/>
+              </a:defRPr>
+            </a:lvl8pPr>
+            <a:lvl9pPr marL="1362456" indent="-137160" algn="l" defTabSz="914400" rtl="0" eaLnBrk="1" latinLnBrk="0" hangingPunct="1">
+              <a:lnSpc>
+                <a:spcPct val="90000"/>
+              </a:lnSpc>
+              <a:spcBef>
+                <a:spcPts val="200"/>
+              </a:spcBef>
+              <a:spcAft>
+                <a:spcPts val="400"/>
+              </a:spcAft>
+              <a:buClr>
+                <a:schemeClr val="accent1"/>
+              </a:buClr>
+              <a:buFont typeface="Wingdings 3" pitchFamily="18" charset="2"/>
+              <a:buChar char=""/>
+              <a:defRPr sz="1400" kern="1200">
+                <a:solidFill>
+                  <a:schemeClr val="tx1"/>
+                </a:solidFill>
+                <a:latin typeface="+mn-lt"/>
+                <a:ea typeface="+mn-ea"/>
+                <a:cs typeface="+mn-cs"/>
+              </a:defRPr>
+            </a:lvl9pPr>
+          </a:lstStyle>
+          <a:p>
+            <a:r>
+              <a:rPr lang="zh-CN" altLang="zh-CN" sz="1600" dirty="0" smtClean="0"/>
+              <a:t>企业管理</a:t>
+            </a:r>
+            <a:r>
+              <a:rPr lang="zh-CN" altLang="zh-CN" sz="1600" dirty="0"/>
+              <a:t>者</a:t>
+            </a:r>
+            <a:r>
+              <a:rPr lang="zh-CN" altLang="zh-CN" sz="1600" dirty="0" smtClean="0"/>
+              <a:t>如果</a:t>
+            </a:r>
+            <a:r>
+              <a:rPr lang="zh-CN" altLang="en-US" sz="1600" dirty="0" smtClean="0"/>
+              <a:t>能</a:t>
+            </a:r>
+            <a:r>
+              <a:rPr lang="zh-CN" altLang="zh-CN" sz="1600" dirty="0" smtClean="0"/>
+              <a:t>及时掌握相关信息</a:t>
+            </a:r>
+            <a:r>
+              <a:rPr lang="zh-CN" altLang="zh-CN" sz="1600" dirty="0"/>
+              <a:t>，就能在关键时刻做出合适的决策，避免错失</a:t>
+            </a:r>
+            <a:r>
+              <a:rPr lang="zh-CN" altLang="zh-CN" sz="1600" dirty="0" smtClean="0"/>
+              <a:t>商机</a:t>
+            </a:r>
+            <a:r>
+              <a:rPr lang="zh-CN" altLang="en-US" sz="1600" dirty="0" smtClean="0"/>
+              <a:t>；</a:t>
+            </a:r>
+            <a:endParaRPr lang="en-US" altLang="zh-CN" sz="1600" dirty="0"/>
+          </a:p>
+          <a:p>
+            <a:r>
+              <a:rPr lang="zh-CN" altLang="zh-CN" sz="1600" dirty="0"/>
+              <a:t>个人的成功很大程度上也取决于其是否能及时地获取需要的</a:t>
+            </a:r>
+            <a:r>
+              <a:rPr lang="zh-CN" altLang="zh-CN" sz="1600" dirty="0" smtClean="0"/>
+              <a:t>信息</a:t>
+            </a:r>
+            <a:r>
+              <a:rPr lang="zh-CN" altLang="en-US" sz="1600" dirty="0" smtClean="0"/>
+              <a:t>。</a:t>
+            </a:r>
+            <a:endParaRPr lang="zh-CN" altLang="en-US" sz="1600" dirty="0"/>
+          </a:p>
+        </p:txBody>
+      </p:sp>
+      <p:sp>
+        <p:nvSpPr>
+          <p:cNvPr id="19" name="文本框 18"/>
+          <p:cNvSpPr txBox="1"/>
+          <p:nvPr/>
+        </p:nvSpPr>
+        <p:spPr>
+          <a:xfrm>
+            <a:off x="5145378" y="3765026"/>
+            <a:ext cx="2492990" cy="369332"/>
+          </a:xfrm>
+          <a:prstGeom prst="rect">
+            <a:avLst/>
+          </a:prstGeom>
+          <a:noFill/>
+        </p:spPr>
+        <p:txBody>
+          <a:bodyPr wrap="none" rtlCol="0">
+            <a:spAutoFit/>
+          </a:bodyPr>
+          <a:lstStyle/>
+          <a:p>
+            <a:r>
+              <a:rPr lang="zh-CN" altLang="en-US" b="1" dirty="0" smtClean="0">
+                <a:solidFill>
+                  <a:srgbClr val="FF0000"/>
+                </a:solidFill>
+                <a:latin typeface="+mj-ea"/>
+                <a:ea typeface="+mj-ea"/>
+              </a:rPr>
+              <a:t>及时获取信息尤为</a:t>
+            </a:r>
+            <a:r>
+              <a:rPr lang="zh-CN" altLang="en-US" b="1" dirty="0">
+                <a:solidFill>
+                  <a:srgbClr val="FF0000"/>
+                </a:solidFill>
+                <a:latin typeface="+mj-ea"/>
+                <a:ea typeface="+mj-ea"/>
+              </a:rPr>
+              <a:t>重要</a:t>
+            </a:r>
+          </a:p>
+        </p:txBody>
+      </p:sp>
+      <p:sp>
+        <p:nvSpPr>
+          <p:cNvPr id="20" name="文本框 19"/>
+          <p:cNvSpPr txBox="1"/>
+          <p:nvPr/>
+        </p:nvSpPr>
+        <p:spPr>
+          <a:xfrm>
+            <a:off x="4626364" y="4857110"/>
+            <a:ext cx="3474028" cy="300082"/>
+          </a:xfrm>
+          <a:prstGeom prst="rect">
+            <a:avLst/>
+          </a:prstGeom>
+          <a:noFill/>
+        </p:spPr>
+        <p:txBody>
+          <a:bodyPr wrap="none" rtlCol="0">
+            <a:spAutoFit/>
+          </a:bodyPr>
+          <a:lstStyle/>
+          <a:p>
+            <a:r>
+              <a:rPr lang="zh-CN" altLang="en-US" sz="1350" b="1" dirty="0"/>
+              <a:t>实际应用</a:t>
+            </a:r>
+            <a:r>
+              <a:rPr lang="zh-CN" altLang="en-US" sz="1350" dirty="0" smtClean="0"/>
+              <a:t>：及时推信息推送系统项目</a:t>
+            </a:r>
+            <a:r>
+              <a:rPr lang="zh-CN" altLang="en-US" sz="1350" dirty="0"/>
+              <a:t>的需要</a:t>
+            </a:r>
+          </a:p>
+        </p:txBody>
+      </p:sp>
+      <p:sp>
+        <p:nvSpPr>
+          <p:cNvPr id="21" name="文本框 20"/>
+          <p:cNvSpPr txBox="1"/>
+          <p:nvPr/>
+        </p:nvSpPr>
+        <p:spPr>
+          <a:xfrm>
+            <a:off x="5001466" y="4381025"/>
+            <a:ext cx="2723823" cy="369332"/>
+          </a:xfrm>
+          <a:prstGeom prst="rect">
+            <a:avLst/>
+          </a:prstGeom>
+          <a:noFill/>
+        </p:spPr>
+        <p:txBody>
+          <a:bodyPr wrap="none" rtlCol="0">
+            <a:spAutoFit/>
+          </a:bodyPr>
+          <a:lstStyle/>
+          <a:p>
+            <a:r>
+              <a:rPr lang="zh-CN" altLang="en-US" dirty="0" smtClean="0">
+                <a:latin typeface="+mn-ea"/>
+              </a:rPr>
+              <a:t>个性化信息推送系统诞生</a:t>
+            </a:r>
+            <a:endParaRPr lang="zh-CN" altLang="en-US" dirty="0">
+              <a:latin typeface="+mn-ea"/>
+            </a:endParaRPr>
+          </a:p>
+        </p:txBody>
+      </p:sp>
+      <p:sp>
+        <p:nvSpPr>
+          <p:cNvPr id="22" name="内容占位符 10"/>
+          <p:cNvSpPr txBox="1">
+            <a:spLocks/>
+          </p:cNvSpPr>
+          <p:nvPr/>
+        </p:nvSpPr>
+        <p:spPr>
+          <a:xfrm>
+            <a:off x="620377" y="2107356"/>
+            <a:ext cx="3403854" cy="2195202"/>
+          </a:xfrm>
+          <a:prstGeom prst="rect">
+            <a:avLst/>
+          </a:prstGeom>
+        </p:spPr>
+        <p:txBody>
+          <a:bodyPr vert="horz" lIns="34290" tIns="34290" rIns="34290" bIns="34290" rtlCol="0">
+            <a:noAutofit/>
+          </a:bodyPr>
+          <a:lstStyle>
+            <a:lvl1pPr marL="91440" indent="-91440" algn="l" defTabSz="914400" rtl="0" eaLnBrk="1" latinLnBrk="0" hangingPunct="1">
+              <a:lnSpc>
+                <a:spcPct val="90000"/>
+              </a:lnSpc>
+              <a:spcBef>
+                <a:spcPts val="1200"/>
+              </a:spcBef>
+              <a:spcAft>
+                <a:spcPts val="200"/>
+              </a:spcAft>
+              <a:buClr>
+                <a:schemeClr val="accent1"/>
+              </a:buClr>
+              <a:buSzPct val="100000"/>
+              <a:buFont typeface="Tw Cen MT" panose="020B0602020104020603" pitchFamily="34" charset="0"/>
+              <a:buChar char=" "/>
+              <a:defRPr sz="2200" kern="1200">
+                <a:solidFill>
+                  <a:schemeClr val="tx1"/>
+                </a:solidFill>
+                <a:latin typeface="+mn-lt"/>
+                <a:ea typeface="+mn-ea"/>
+                <a:cs typeface="+mn-cs"/>
+              </a:defRPr>
+            </a:lvl1pPr>
+            <a:lvl2pPr marL="265176" indent="-137160" algn="l" defTabSz="914400" rtl="0" eaLnBrk="1" latinLnBrk="0" hangingPunct="1">
+              <a:lnSpc>
+                <a:spcPct val="90000"/>
+              </a:lnSpc>
+              <a:spcBef>
+                <a:spcPts val="200"/>
+              </a:spcBef>
+              <a:spcAft>
+                <a:spcPts val="400"/>
+              </a:spcAft>
+              <a:buClr>
+                <a:schemeClr val="accent1"/>
+              </a:buClr>
+              <a:buFont typeface="Wingdings 3" pitchFamily="18" charset="2"/>
+              <a:buChar char=""/>
+              <a:defRPr sz="1800" kern="1200">
+                <a:solidFill>
+                  <a:schemeClr val="tx1"/>
+                </a:solidFill>
+                <a:latin typeface="+mn-lt"/>
+                <a:ea typeface="+mn-ea"/>
+                <a:cs typeface="+mn-cs"/>
+              </a:defRPr>
+            </a:lvl2pPr>
+            <a:lvl3pPr marL="448056" indent="-137160" algn="l" defTabSz="914400" rtl="0" eaLnBrk="1" latinLnBrk="0" hangingPunct="1">
+              <a:lnSpc>
+                <a:spcPct val="90000"/>
+              </a:lnSpc>
+              <a:spcBef>
+                <a:spcPts val="200"/>
+              </a:spcBef>
+              <a:spcAft>
+                <a:spcPts val="400"/>
+              </a:spcAft>
+              <a:buClr>
+                <a:schemeClr val="accent1"/>
+              </a:buClr>
+              <a:buFont typeface="Wingdings 3" pitchFamily="18" charset="2"/>
+              <a:buChar char=""/>
+              <a:defRPr sz="1400" kern="1200">
+                <a:solidFill>
+                  <a:schemeClr val="tx1"/>
+                </a:solidFill>
+                <a:latin typeface="+mn-lt"/>
+                <a:ea typeface="+mn-ea"/>
+                <a:cs typeface="+mn-cs"/>
+              </a:defRPr>
+            </a:lvl3pPr>
+            <a:lvl4pPr marL="594360" indent="-137160" algn="l" defTabSz="914400" rtl="0" eaLnBrk="1" latinLnBrk="0" hangingPunct="1">
+              <a:lnSpc>
+                <a:spcPct val="90000"/>
+              </a:lnSpc>
+              <a:spcBef>
+                <a:spcPts val="200"/>
+              </a:spcBef>
+              <a:spcAft>
+                <a:spcPts val="400"/>
+              </a:spcAft>
+              <a:buClr>
+                <a:schemeClr val="accent1"/>
+              </a:buClr>
+              <a:buFont typeface="Wingdings 3" pitchFamily="18" charset="2"/>
+              <a:buChar char=""/>
+              <a:defRPr sz="1400" kern="1200">
+                <a:solidFill>
+                  <a:schemeClr val="tx1"/>
+                </a:solidFill>
+                <a:latin typeface="+mn-lt"/>
+                <a:ea typeface="+mn-ea"/>
+                <a:cs typeface="+mn-cs"/>
+              </a:defRPr>
+            </a:lvl4pPr>
+            <a:lvl5pPr marL="777240" indent="-137160" algn="l" defTabSz="914400" rtl="0" eaLnBrk="1" latinLnBrk="0" hangingPunct="1">
+              <a:lnSpc>
+                <a:spcPct val="90000"/>
+              </a:lnSpc>
+              <a:spcBef>
+                <a:spcPts val="200"/>
+              </a:spcBef>
+              <a:spcAft>
+                <a:spcPts val="400"/>
+              </a:spcAft>
+              <a:buClr>
+                <a:schemeClr val="accent1"/>
+              </a:buClr>
+              <a:buFont typeface="Wingdings 3" pitchFamily="18" charset="2"/>
+              <a:buChar char=""/>
+              <a:defRPr sz="1400" kern="1200">
+                <a:solidFill>
+                  <a:schemeClr val="tx1"/>
+                </a:solidFill>
+                <a:latin typeface="+mn-lt"/>
+                <a:ea typeface="+mn-ea"/>
+                <a:cs typeface="+mn-cs"/>
+              </a:defRPr>
+            </a:lvl5pPr>
+            <a:lvl6pPr marL="914400" indent="-137160" algn="l" defTabSz="914400" rtl="0" eaLnBrk="1" latinLnBrk="0" hangingPunct="1">
+              <a:lnSpc>
+                <a:spcPct val="90000"/>
+              </a:lnSpc>
+              <a:spcBef>
+                <a:spcPts val="200"/>
+              </a:spcBef>
+              <a:spcAft>
+                <a:spcPts val="400"/>
+              </a:spcAft>
+              <a:buClr>
+                <a:schemeClr val="accent1"/>
+              </a:buClr>
+              <a:buFont typeface="Wingdings 3" pitchFamily="18" charset="2"/>
+              <a:buChar char=""/>
+              <a:defRPr sz="1400" kern="1200">
+                <a:solidFill>
+                  <a:schemeClr val="tx1"/>
+                </a:solidFill>
+                <a:latin typeface="+mn-lt"/>
+                <a:ea typeface="+mn-ea"/>
+                <a:cs typeface="+mn-cs"/>
+              </a:defRPr>
+            </a:lvl6pPr>
+            <a:lvl7pPr marL="1060704" indent="-137160" algn="l" defTabSz="914400" rtl="0" eaLnBrk="1" latinLnBrk="0" hangingPunct="1">
+              <a:lnSpc>
+                <a:spcPct val="90000"/>
+              </a:lnSpc>
+              <a:spcBef>
+                <a:spcPts val="200"/>
+              </a:spcBef>
+              <a:spcAft>
+                <a:spcPts val="400"/>
+              </a:spcAft>
+              <a:buClr>
+                <a:schemeClr val="accent1"/>
+              </a:buClr>
+              <a:buFont typeface="Wingdings 3" pitchFamily="18" charset="2"/>
+              <a:buChar char=""/>
+              <a:defRPr sz="1400" kern="1200">
+                <a:solidFill>
+                  <a:schemeClr val="tx1"/>
+                </a:solidFill>
+                <a:latin typeface="+mn-lt"/>
+                <a:ea typeface="+mn-ea"/>
+                <a:cs typeface="+mn-cs"/>
+              </a:defRPr>
+            </a:lvl7pPr>
+            <a:lvl8pPr marL="1216152" indent="-137160" algn="l" defTabSz="914400" rtl="0" eaLnBrk="1" latinLnBrk="0" hangingPunct="1">
+              <a:lnSpc>
+                <a:spcPct val="90000"/>
+              </a:lnSpc>
+              <a:spcBef>
+                <a:spcPts val="200"/>
+              </a:spcBef>
+              <a:spcAft>
+                <a:spcPts val="400"/>
+              </a:spcAft>
+              <a:buClr>
+                <a:schemeClr val="accent1"/>
+              </a:buClr>
+              <a:buFont typeface="Wingdings 3" pitchFamily="18" charset="2"/>
+              <a:buChar char=""/>
+              <a:defRPr sz="1400" kern="1200">
+                <a:solidFill>
+                  <a:schemeClr val="tx1"/>
+                </a:solidFill>
+                <a:latin typeface="+mn-lt"/>
+                <a:ea typeface="+mn-ea"/>
+                <a:cs typeface="+mn-cs"/>
+              </a:defRPr>
+            </a:lvl8pPr>
+            <a:lvl9pPr marL="1362456" indent="-137160" algn="l" defTabSz="914400" rtl="0" eaLnBrk="1" latinLnBrk="0" hangingPunct="1">
+              <a:lnSpc>
+                <a:spcPct val="90000"/>
+              </a:lnSpc>
+              <a:spcBef>
+                <a:spcPts val="200"/>
+              </a:spcBef>
+              <a:spcAft>
+                <a:spcPts val="400"/>
+              </a:spcAft>
+              <a:buClr>
+                <a:schemeClr val="accent1"/>
+              </a:buClr>
+              <a:buFont typeface="Wingdings 3" pitchFamily="18" charset="2"/>
+              <a:buChar char=""/>
+              <a:defRPr sz="1400" kern="1200">
+                <a:solidFill>
+                  <a:schemeClr val="tx1"/>
+                </a:solidFill>
+                <a:latin typeface="+mn-lt"/>
+                <a:ea typeface="+mn-ea"/>
+                <a:cs typeface="+mn-cs"/>
+              </a:defRPr>
+            </a:lvl9pPr>
+          </a:lstStyle>
+          <a:p>
+            <a:r>
+              <a:rPr lang="zh-CN" altLang="zh-CN" sz="1600" dirty="0" smtClean="0"/>
+              <a:t>当今</a:t>
+            </a:r>
+            <a:r>
+              <a:rPr lang="zh-CN" altLang="zh-CN" sz="1600" dirty="0"/>
+              <a:t>网络上的信息正在以几何级数的速度增长</a:t>
+            </a:r>
+            <a:r>
+              <a:rPr lang="zh-CN" altLang="zh-CN" sz="1600" dirty="0" smtClean="0"/>
+              <a:t>，互联网</a:t>
+            </a:r>
+            <a:r>
+              <a:rPr lang="zh-CN" altLang="zh-CN" sz="1600" dirty="0"/>
+              <a:t>上的文本数据达到了</a:t>
+            </a:r>
+            <a:r>
+              <a:rPr lang="en-US" altLang="zh-CN" sz="1600" b="1" dirty="0"/>
+              <a:t>100</a:t>
+            </a:r>
+            <a:r>
+              <a:rPr lang="zh-CN" altLang="zh-CN" sz="1600" dirty="0"/>
+              <a:t>亿</a:t>
+            </a:r>
+            <a:r>
+              <a:rPr lang="zh-CN" altLang="zh-CN" sz="1600" dirty="0" smtClean="0"/>
+              <a:t>条</a:t>
+            </a:r>
+            <a:r>
+              <a:rPr lang="zh-CN" altLang="en-US" sz="1600" dirty="0" smtClean="0"/>
+              <a:t>；</a:t>
+            </a:r>
+            <a:endParaRPr lang="en-US" altLang="zh-CN" sz="1600" dirty="0"/>
+          </a:p>
+          <a:p>
+            <a:r>
+              <a:rPr lang="zh-CN" altLang="zh-CN" sz="1600" dirty="0"/>
+              <a:t>网络上</a:t>
+            </a:r>
+            <a:r>
+              <a:rPr lang="zh-CN" altLang="zh-CN" sz="1600" dirty="0" smtClean="0"/>
+              <a:t>的信息</a:t>
+            </a:r>
+            <a:r>
+              <a:rPr lang="zh-CN" altLang="zh-CN" sz="1600" dirty="0"/>
+              <a:t>没有任何规律和结构特征，人们</a:t>
+            </a:r>
+            <a:r>
+              <a:rPr lang="zh-CN" altLang="zh-CN" sz="1600" dirty="0" smtClean="0"/>
+              <a:t>很难准确</a:t>
+            </a:r>
+            <a:r>
+              <a:rPr lang="zh-CN" altLang="zh-CN" sz="1600" dirty="0"/>
+              <a:t>找到对自己有用的</a:t>
+            </a:r>
+            <a:r>
+              <a:rPr lang="zh-CN" altLang="zh-CN" sz="1600" dirty="0" smtClean="0"/>
+              <a:t>信息</a:t>
+            </a:r>
+            <a:r>
+              <a:rPr lang="zh-CN" altLang="en-US" sz="1600" dirty="0" smtClean="0"/>
+              <a:t>；</a:t>
+            </a:r>
+            <a:endParaRPr lang="en-US" altLang="zh-CN" sz="1600" dirty="0" smtClean="0"/>
+          </a:p>
+          <a:p>
+            <a:r>
+              <a:rPr lang="zh-CN" altLang="zh-CN" sz="1600" dirty="0"/>
+              <a:t>传统的搜索引擎已经不能满足用户对特定领域和主题的搜索</a:t>
+            </a:r>
+            <a:r>
+              <a:rPr lang="zh-CN" altLang="zh-CN" sz="1600" dirty="0" smtClean="0"/>
+              <a:t>需求</a:t>
+            </a:r>
+            <a:r>
+              <a:rPr lang="zh-CN" altLang="en-US" sz="1600" dirty="0"/>
+              <a:t>。</a:t>
+            </a:r>
+          </a:p>
+        </p:txBody>
+      </p:sp>
+      <p:sp>
+        <p:nvSpPr>
+          <p:cNvPr id="23" name="标题 1"/>
+          <p:cNvSpPr>
+            <a:spLocks noGrp="1"/>
+          </p:cNvSpPr>
+          <p:nvPr>
+            <p:ph type="title"/>
+          </p:nvPr>
+        </p:nvSpPr>
+        <p:spPr>
+          <a:xfrm>
+            <a:off x="768096" y="585216"/>
+            <a:ext cx="7290054" cy="1499616"/>
+          </a:xfrm>
+        </p:spPr>
+        <p:txBody>
+          <a:bodyPr/>
+          <a:lstStyle/>
+          <a:p>
+            <a:r>
+              <a:rPr lang="zh-CN" altLang="en-US" dirty="0" smtClean="0"/>
+              <a:t>选题背景及意义</a:t>
+            </a:r>
+            <a:endParaRPr lang="zh-CN" altLang="en-US" dirty="0"/>
+          </a:p>
+        </p:txBody>
+      </p:sp>
+    </p:spTree>
+    <p:extLst>
+      <p:ext uri="{BB962C8B-B14F-4D97-AF65-F5344CB8AC3E}">
+        <p14:creationId xmlns:p14="http://schemas.microsoft.com/office/powerpoint/2010/main" val="569213526"/>
+      </p:ext>
+    </p:extLst>
+  </p:cSld>
+  <p:clrMapOvr>
+    <a:masterClrMapping/>
+  </p:clrMapOvr>
+  <mc:AlternateContent xmlns:mc="http://schemas.openxmlformats.org/markup-compatibility/2006" xmlns:p14="http://schemas.microsoft.com/office/powerpoint/2010/main">
+    <mc:Choice Requires="p14">
+      <p:transition spd="slow" p14:dur="1300">
+        <p14:pan/>
+      </p:transition>
+    </mc:Choice>
+    <mc:Fallback xmlns="">
+      <p:transition spd="slow">
+        <p:fade/>
+      </p:transition>
+    </mc:Fallback>
+  </mc:AlternateContent>
+  <p:timing>
+    <p:tnLst>
+      <p:par>
+        <p:cTn id="1" dur="indefinite" restart="never" nodeType="tmRoot">
+          <p:childTnLst>
+            <p:seq concurrent="1" nextAc="seek">
+              <p:cTn id="2" dur="indefinite" nodeType="mainSeq">
+                <p:childTnLst>
+                  <p:par>
+                    <p:cTn id="3" fill="hold">
+                      <p:stCondLst>
+                        <p:cond delay="indefinite"/>
+                        <p:cond evt="onBegin" delay="0">
+                          <p:tn val="2"/>
+                        </p:cond>
+                      </p:stCondLst>
+                      <p:childTnLst>
+                        <p:par>
+                          <p:cTn id="4" fill="hold">
+                            <p:stCondLst>
+                              <p:cond delay="0"/>
+                            </p:stCondLst>
+                            <p:childTnLst>
+                              <p:par>
+                                <p:cTn id="5" presetID="47" presetClass="exit" presetSubtype="0" fill="hold" grpId="0" nodeType="withEffect">
+                                  <p:stCondLst>
+                                    <p:cond delay="0"/>
+                                  </p:stCondLst>
+                                  <p:childTnLst>
+                                    <p:animEffect transition="out" filter="fade">
+                                      <p:cBhvr>
+                                        <p:cTn id="6" dur="1000"/>
+                                        <p:tgtEl>
+                                          <p:spTgt spid="23"/>
+                                        </p:tgtEl>
+                                      </p:cBhvr>
+                                    </p:animEffect>
+                                    <p:anim calcmode="lin" valueType="num">
+                                      <p:cBhvr>
+                                        <p:cTn id="7" dur="1000"/>
+                                        <p:tgtEl>
+                                          <p:spTgt spid="23"/>
+                                        </p:tgtEl>
+                                        <p:attrNameLst>
+                                          <p:attrName>ppt_x</p:attrName>
+                                        </p:attrNameLst>
+                                      </p:cBhvr>
+                                      <p:tavLst>
+                                        <p:tav tm="0">
+                                          <p:val>
+                                            <p:strVal val="ppt_x"/>
+                                          </p:val>
+                                        </p:tav>
+                                        <p:tav tm="100000">
+                                          <p:val>
+                                            <p:strVal val="ppt_x"/>
+                                          </p:val>
+                                        </p:tav>
+                                      </p:tavLst>
+                                    </p:anim>
+                                    <p:anim calcmode="lin" valueType="num">
+                                      <p:cBhvr>
+                                        <p:cTn id="8" dur="1000"/>
+                                        <p:tgtEl>
+                                          <p:spTgt spid="23"/>
+                                        </p:tgtEl>
+                                        <p:attrNameLst>
+                                          <p:attrName>ppt_y</p:attrName>
+                                        </p:attrNameLst>
+                                      </p:cBhvr>
+                                      <p:tavLst>
+                                        <p:tav tm="0">
+                                          <p:val>
+                                            <p:strVal val="ppt_y"/>
+                                          </p:val>
+                                        </p:tav>
+                                        <p:tav tm="100000">
+                                          <p:val>
+                                            <p:strVal val="ppt_y-.1"/>
+                                          </p:val>
+                                        </p:tav>
+                                      </p:tavLst>
+                                    </p:anim>
+                                    <p:set>
+                                      <p:cBhvr>
+                                        <p:cTn id="9" dur="1" fill="hold">
+                                          <p:stCondLst>
+                                            <p:cond delay="999"/>
+                                          </p:stCondLst>
+                                        </p:cTn>
+                                        <p:tgtEl>
+                                          <p:spTgt spid="23"/>
+                                        </p:tgtEl>
+                                        <p:attrNameLst>
+                                          <p:attrName>style.visibility</p:attrName>
+                                        </p:attrNameLst>
+                                      </p:cBhvr>
+                                      <p:to>
+                                        <p:strVal val="hidden"/>
+                                      </p:to>
+                                    </p:set>
+                                  </p:childTnLst>
+                                </p:cTn>
+                              </p:par>
+                            </p:childTnLst>
+                          </p:cTn>
+                        </p:par>
+                      </p:childTnLst>
+                    </p:cTn>
+                  </p:par>
+                </p:childTnLst>
+              </p:cTn>
+              <p:prevCondLst>
+                <p:cond evt="onPrev" delay="0">
+                  <p:tgtEl>
+                    <p:sldTgt/>
+                  </p:tgtEl>
+                </p:cond>
+              </p:prevCondLst>
+              <p:nextCondLst>
+                <p:cond evt="onNext" delay="0">
+                  <p:tgtEl>
+                    <p:sldTgt/>
+                  </p:tgtEl>
+                </p:cond>
+              </p:nextCondLst>
+            </p:seq>
+          </p:childTnLst>
+        </p:cTn>
+      </p:par>
+    </p:tnLst>
+    <p:bldLst>
+      <p:bldP spid="23" grpId="0"/>
+    </p:bldLst>
+  </p:timing>
+</p:sld>
+</file>
+
+<file path=ppt/slides/slide30.xml><?xml version="1.0" encoding="utf-8"?>
 <p:sld xmlns:a="http://schemas.openxmlformats.org/drawingml/2006/main" xmlns:r="http://schemas.openxmlformats.org/officeDocument/2006/relationships" xmlns:p="http://schemas.openxmlformats.org/presentationml/2006/main">
   <p:cSld>
     <p:spTree>
@@ -42511,7 +42809,7 @@
           <a:p>
             <a:fld id="{1CD898C6-ECB1-4384-8D00-EB908AD33A29}" type="slidenum">
               <a:rPr lang="zh-CN" altLang="en-US" smtClean="0"/>
-              <a:t>27</a:t>
+              <a:t>30</a:t>
             </a:fld>
             <a:r>
               <a:rPr lang="en-US" altLang="zh-CN" smtClean="0"/>
@@ -42740,7 +43038,7 @@
 </p:sld>
 </file>
 
-<file path=ppt/slides/slide28.xml><?xml version="1.0" encoding="utf-8"?>
+<file path=ppt/slides/slide31.xml><?xml version="1.0" encoding="utf-8"?>
 <p:sld xmlns:a="http://schemas.openxmlformats.org/drawingml/2006/main" xmlns:r="http://schemas.openxmlformats.org/officeDocument/2006/relationships" xmlns:p="http://schemas.openxmlformats.org/presentationml/2006/main" showMasterSp="0">
   <p:cSld>
     <p:spTree>
@@ -42782,7 +43080,7 @@
                 </a:solidFill>
               </a:rPr>
               <a:pPr/>
-              <a:t>28</a:t>
+              <a:t>31</a:t>
             </a:fld>
             <a:r>
               <a:rPr lang="en-US" altLang="zh-CN" smtClean="0">
@@ -43403,7 +43701,7 @@
 </p:sld>
 </file>
 
-<file path=ppt/slides/slide3.xml><?xml version="1.0" encoding="utf-8"?>
+<file path=ppt/slides/slide4.xml><?xml version="1.0" encoding="utf-8"?>
 <p:sld xmlns:a="http://schemas.openxmlformats.org/drawingml/2006/main" xmlns:r="http://schemas.openxmlformats.org/officeDocument/2006/relationships" xmlns:p="http://schemas.openxmlformats.org/presentationml/2006/main">
   <p:cSld>
     <p:spTree>
@@ -43445,7 +43743,7 @@
                 </a:solidFill>
               </a:rPr>
               <a:pPr/>
-              <a:t>3</a:t>
+              <a:t>4</a:t>
             </a:fld>
             <a:r>
               <a:rPr lang="en-US" altLang="zh-CN" smtClean="0">
@@ -44424,1187 +44722,6 @@
           </a:p>
         </p:txBody>
       </p:sp>
-    </p:spTree>
-    <p:extLst>
-      <p:ext uri="{BB962C8B-B14F-4D97-AF65-F5344CB8AC3E}">
-        <p14:creationId xmlns:p14="http://schemas.microsoft.com/office/powerpoint/2010/main" val="569213526"/>
-      </p:ext>
-    </p:extLst>
-  </p:cSld>
-  <p:clrMapOvr>
-    <a:masterClrMapping/>
-  </p:clrMapOvr>
-  <mc:AlternateContent xmlns:mc="http://schemas.openxmlformats.org/markup-compatibility/2006" xmlns:p14="http://schemas.microsoft.com/office/powerpoint/2010/main">
-    <mc:Choice Requires="p14">
-      <p:transition spd="slow" p14:dur="1300">
-        <p14:pan/>
-      </p:transition>
-    </mc:Choice>
-    <mc:Fallback xmlns="">
-      <p:transition spd="slow">
-        <p:fade/>
-      </p:transition>
-    </mc:Fallback>
-  </mc:AlternateContent>
-  <p:timing>
-    <p:tnLst>
-      <p:par>
-        <p:cTn id="1" dur="indefinite" restart="never" nodeType="tmRoot">
-          <p:childTnLst>
-            <p:seq concurrent="1" nextAc="seek">
-              <p:cTn id="2" dur="indefinite" nodeType="mainSeq">
-                <p:childTnLst>
-                  <p:par>
-                    <p:cTn id="3" fill="hold">
-                      <p:stCondLst>
-                        <p:cond delay="indefinite"/>
-                        <p:cond evt="onBegin" delay="0">
-                          <p:tn val="2"/>
-                        </p:cond>
-                      </p:stCondLst>
-                      <p:childTnLst>
-                        <p:par>
-                          <p:cTn id="4" fill="hold">
-                            <p:stCondLst>
-                              <p:cond delay="0"/>
-                            </p:stCondLst>
-                            <p:childTnLst>
-                              <p:par>
-                                <p:cTn id="5" presetID="47" presetClass="exit" presetSubtype="0" fill="hold" grpId="0" nodeType="withEffect">
-                                  <p:stCondLst>
-                                    <p:cond delay="0"/>
-                                  </p:stCondLst>
-                                  <p:childTnLst>
-                                    <p:animEffect transition="out" filter="fade">
-                                      <p:cBhvr>
-                                        <p:cTn id="6" dur="1000"/>
-                                        <p:tgtEl>
-                                          <p:spTgt spid="23"/>
-                                        </p:tgtEl>
-                                      </p:cBhvr>
-                                    </p:animEffect>
-                                    <p:anim calcmode="lin" valueType="num">
-                                      <p:cBhvr>
-                                        <p:cTn id="7" dur="1000"/>
-                                        <p:tgtEl>
-                                          <p:spTgt spid="23"/>
-                                        </p:tgtEl>
-                                        <p:attrNameLst>
-                                          <p:attrName>ppt_x</p:attrName>
-                                        </p:attrNameLst>
-                                      </p:cBhvr>
-                                      <p:tavLst>
-                                        <p:tav tm="0">
-                                          <p:val>
-                                            <p:strVal val="ppt_x"/>
-                                          </p:val>
-                                        </p:tav>
-                                        <p:tav tm="100000">
-                                          <p:val>
-                                            <p:strVal val="ppt_x"/>
-                                          </p:val>
-                                        </p:tav>
-                                      </p:tavLst>
-                                    </p:anim>
-                                    <p:anim calcmode="lin" valueType="num">
-                                      <p:cBhvr>
-                                        <p:cTn id="8" dur="1000"/>
-                                        <p:tgtEl>
-                                          <p:spTgt spid="23"/>
-                                        </p:tgtEl>
-                                        <p:attrNameLst>
-                                          <p:attrName>ppt_y</p:attrName>
-                                        </p:attrNameLst>
-                                      </p:cBhvr>
-                                      <p:tavLst>
-                                        <p:tav tm="0">
-                                          <p:val>
-                                            <p:strVal val="ppt_y"/>
-                                          </p:val>
-                                        </p:tav>
-                                        <p:tav tm="100000">
-                                          <p:val>
-                                            <p:strVal val="ppt_y-.1"/>
-                                          </p:val>
-                                        </p:tav>
-                                      </p:tavLst>
-                                    </p:anim>
-                                    <p:set>
-                                      <p:cBhvr>
-                                        <p:cTn id="9" dur="1" fill="hold">
-                                          <p:stCondLst>
-                                            <p:cond delay="999"/>
-                                          </p:stCondLst>
-                                        </p:cTn>
-                                        <p:tgtEl>
-                                          <p:spTgt spid="23"/>
-                                        </p:tgtEl>
-                                        <p:attrNameLst>
-                                          <p:attrName>style.visibility</p:attrName>
-                                        </p:attrNameLst>
-                                      </p:cBhvr>
-                                      <p:to>
-                                        <p:strVal val="hidden"/>
-                                      </p:to>
-                                    </p:set>
-                                  </p:childTnLst>
-                                </p:cTn>
-                              </p:par>
-                            </p:childTnLst>
-                          </p:cTn>
-                        </p:par>
-                      </p:childTnLst>
-                    </p:cTn>
-                  </p:par>
-                </p:childTnLst>
-              </p:cTn>
-              <p:prevCondLst>
-                <p:cond evt="onPrev" delay="0">
-                  <p:tgtEl>
-                    <p:sldTgt/>
-                  </p:tgtEl>
-                </p:cond>
-              </p:prevCondLst>
-              <p:nextCondLst>
-                <p:cond evt="onNext" delay="0">
-                  <p:tgtEl>
-                    <p:sldTgt/>
-                  </p:tgtEl>
-                </p:cond>
-              </p:nextCondLst>
-            </p:seq>
-          </p:childTnLst>
-        </p:cTn>
-      </p:par>
-    </p:tnLst>
-    <p:bldLst>
-      <p:bldP spid="23" grpId="0"/>
-    </p:bldLst>
-  </p:timing>
-</p:sld>
-</file>
-
-<file path=ppt/slides/slide4.xml><?xml version="1.0" encoding="utf-8"?>
-<p:sld xmlns:a="http://schemas.openxmlformats.org/drawingml/2006/main" xmlns:r="http://schemas.openxmlformats.org/officeDocument/2006/relationships" xmlns:p="http://schemas.openxmlformats.org/presentationml/2006/main">
-  <p:cSld>
-    <p:spTree>
-      <p:nvGrpSpPr>
-        <p:cNvPr id="1" name=""/>
-        <p:cNvGrpSpPr/>
-        <p:nvPr/>
-      </p:nvGrpSpPr>
-      <p:grpSpPr>
-        <a:xfrm>
-          <a:off x="0" y="0"/>
-          <a:ext cx="0" cy="0"/>
-          <a:chOff x="0" y="0"/>
-          <a:chExt cx="0" cy="0"/>
-        </a:xfrm>
-      </p:grpSpPr>
-      <p:sp>
-        <p:nvSpPr>
-          <p:cNvPr id="6" name="灯片编号占位符 5"/>
-          <p:cNvSpPr>
-            <a:spLocks noGrp="1"/>
-          </p:cNvSpPr>
-          <p:nvPr>
-            <p:ph type="sldNum" sz="quarter" idx="12"/>
-          </p:nvPr>
-        </p:nvSpPr>
-        <p:spPr/>
-        <p:txBody>
-          <a:bodyPr/>
-          <a:lstStyle/>
-          <a:p>
-            <a:fld id="{1CD898C6-ECB1-4384-8D00-EB908AD33A29}" type="slidenum">
-              <a:rPr lang="zh-CN" altLang="en-US" smtClean="0">
-                <a:solidFill>
-                  <a:prstClr val="black">
-                    <a:lumMod val="65000"/>
-                    <a:lumOff val="35000"/>
-                  </a:prstClr>
-                </a:solidFill>
-              </a:rPr>
-              <a:pPr/>
-              <a:t>4</a:t>
-            </a:fld>
-            <a:r>
-              <a:rPr lang="en-US" altLang="zh-CN" smtClean="0">
-                <a:solidFill>
-                  <a:prstClr val="black">
-                    <a:lumMod val="65000"/>
-                    <a:lumOff val="35000"/>
-                  </a:prstClr>
-                </a:solidFill>
-              </a:rPr>
-              <a:t>/35</a:t>
-            </a:r>
-            <a:endParaRPr lang="zh-CN" altLang="en-US" dirty="0">
-              <a:solidFill>
-                <a:prstClr val="black">
-                  <a:lumMod val="65000"/>
-                  <a:lumOff val="35000"/>
-                </a:prstClr>
-              </a:solidFill>
-            </a:endParaRPr>
-          </a:p>
-        </p:txBody>
-      </p:sp>
-      <p:sp>
-        <p:nvSpPr>
-          <p:cNvPr id="5" name="Rectangle 2"/>
-          <p:cNvSpPr>
-            <a:spLocks noChangeArrowheads="1"/>
-          </p:cNvSpPr>
-          <p:nvPr/>
-        </p:nvSpPr>
-        <p:spPr bwMode="auto">
-          <a:xfrm>
-            <a:off x="0" y="0"/>
-            <a:ext cx="9144000" cy="0"/>
-          </a:xfrm>
-          <a:prstGeom prst="rect">
-            <a:avLst/>
-          </a:prstGeom>
-          <a:noFill/>
-          <a:ln>
-            <a:noFill/>
-          </a:ln>
-          <a:effectLst/>
-          <a:extLst>
-            <a:ext uri="{909E8E84-426E-40DD-AFC4-6F175D3DCCD1}">
-              <a14:hiddenFill xmlns:a14="http://schemas.microsoft.com/office/drawing/2010/main">
-                <a:solidFill>
-                  <a:schemeClr val="accent1"/>
-                </a:solidFill>
-              </a14:hiddenFill>
-            </a:ext>
-            <a:ext uri="{91240B29-F687-4F45-9708-019B960494DF}">
-              <a14:hiddenLine xmlns:a14="http://schemas.microsoft.com/office/drawing/2010/main" w="9525">
-                <a:solidFill>
-                  <a:schemeClr val="tx1"/>
-                </a:solidFill>
-                <a:miter lim="800000"/>
-                <a:headEnd/>
-                <a:tailEnd/>
-              </a14:hiddenLine>
-            </a:ext>
-            <a:ext uri="{AF507438-7753-43E0-B8FC-AC1667EBCBE1}">
-              <a14:hiddenEffects xmlns:a14="http://schemas.microsoft.com/office/drawing/2010/main">
-                <a:effectLst>
-                  <a:outerShdw dist="35921" dir="2700000" algn="ctr" rotWithShape="0">
-                    <a:schemeClr val="bg2"/>
-                  </a:outerShdw>
-                </a:effectLst>
-              </a14:hiddenEffects>
-            </a:ext>
-          </a:extLst>
-        </p:spPr>
-        <p:txBody>
-          <a:bodyPr vert="horz" wrap="none" lIns="91440" tIns="45720" rIns="91440" bIns="45720" numCol="1" anchor="ctr" anchorCtr="0" compatLnSpc="1">
-            <a:prstTxWarp prst="textNoShape">
-              <a:avLst/>
-            </a:prstTxWarp>
-            <a:spAutoFit/>
-          </a:bodyPr>
-          <a:lstStyle/>
-          <a:p>
-            <a:endParaRPr lang="zh-CN" altLang="en-US">
-              <a:solidFill>
-                <a:prstClr val="black"/>
-              </a:solidFill>
-            </a:endParaRPr>
-          </a:p>
-        </p:txBody>
-      </p:sp>
-      <p:sp>
-        <p:nvSpPr>
-          <p:cNvPr id="14" name="矩形 13"/>
-          <p:cNvSpPr/>
-          <p:nvPr/>
-        </p:nvSpPr>
-        <p:spPr>
-          <a:xfrm>
-            <a:off x="611560" y="1988840"/>
-            <a:ext cx="3412671" cy="2448272"/>
-          </a:xfrm>
-          <a:prstGeom prst="rect">
-            <a:avLst/>
-          </a:prstGeom>
-          <a:noFill/>
-        </p:spPr>
-        <p:style>
-          <a:lnRef idx="2">
-            <a:schemeClr val="dk1"/>
-          </a:lnRef>
-          <a:fillRef idx="1">
-            <a:schemeClr val="lt1"/>
-          </a:fillRef>
-          <a:effectRef idx="0">
-            <a:schemeClr val="dk1"/>
-          </a:effectRef>
-          <a:fontRef idx="minor">
-            <a:schemeClr val="dk1"/>
-          </a:fontRef>
-        </p:style>
-        <p:txBody>
-          <a:bodyPr rtlCol="0" anchor="ctr"/>
-          <a:lstStyle/>
-          <a:p>
-            <a:pPr algn="ctr"/>
-            <a:endParaRPr lang="zh-CN" altLang="en-US" sz="1350"/>
-          </a:p>
-        </p:txBody>
-      </p:sp>
-      <p:sp>
-        <p:nvSpPr>
-          <p:cNvPr id="15" name="矩形 14"/>
-          <p:cNvSpPr/>
-          <p:nvPr/>
-        </p:nvSpPr>
-        <p:spPr>
-          <a:xfrm>
-            <a:off x="4685538" y="1988840"/>
-            <a:ext cx="3412671" cy="1669433"/>
-          </a:xfrm>
-          <a:prstGeom prst="rect">
-            <a:avLst/>
-          </a:prstGeom>
-          <a:noFill/>
-        </p:spPr>
-        <p:style>
-          <a:lnRef idx="2">
-            <a:schemeClr val="dk1"/>
-          </a:lnRef>
-          <a:fillRef idx="1">
-            <a:schemeClr val="lt1"/>
-          </a:fillRef>
-          <a:effectRef idx="0">
-            <a:schemeClr val="dk1"/>
-          </a:effectRef>
-          <a:fontRef idx="minor">
-            <a:schemeClr val="dk1"/>
-          </a:fontRef>
-        </p:style>
-        <p:txBody>
-          <a:bodyPr rtlCol="0" anchor="ctr"/>
-          <a:lstStyle/>
-          <a:p>
-            <a:pPr algn="ctr"/>
-            <a:endParaRPr lang="zh-CN" altLang="en-US" sz="1350"/>
-          </a:p>
-        </p:txBody>
-      </p:sp>
-      <p:sp>
-        <p:nvSpPr>
-          <p:cNvPr id="16" name="文本框 15"/>
-          <p:cNvSpPr txBox="1"/>
-          <p:nvPr/>
-        </p:nvSpPr>
-        <p:spPr>
-          <a:xfrm>
-            <a:off x="971600" y="4487778"/>
-            <a:ext cx="2880320" cy="369332"/>
-          </a:xfrm>
-          <a:prstGeom prst="rect">
-            <a:avLst/>
-          </a:prstGeom>
-          <a:noFill/>
-        </p:spPr>
-        <p:txBody>
-          <a:bodyPr wrap="square" rtlCol="0">
-            <a:spAutoFit/>
-          </a:bodyPr>
-          <a:lstStyle/>
-          <a:p>
-            <a:r>
-              <a:rPr lang="zh-CN" altLang="en-US" b="1" dirty="0">
-                <a:solidFill>
-                  <a:srgbClr val="FF0000"/>
-                </a:solidFill>
-                <a:latin typeface="仿宋" panose="02010609060101010101" pitchFamily="49" charset="-122"/>
-                <a:ea typeface="仿宋" panose="02010609060101010101" pitchFamily="49" charset="-122"/>
-              </a:rPr>
-              <a:t>数据</a:t>
-            </a:r>
-            <a:r>
-              <a:rPr lang="zh-CN" altLang="en-US" b="1" dirty="0" smtClean="0">
-                <a:solidFill>
-                  <a:srgbClr val="FF0000"/>
-                </a:solidFill>
-                <a:latin typeface="仿宋" panose="02010609060101010101" pitchFamily="49" charset="-122"/>
-                <a:ea typeface="仿宋" panose="02010609060101010101" pitchFamily="49" charset="-122"/>
-              </a:rPr>
-              <a:t>量大且搜索难度高</a:t>
-            </a:r>
-            <a:endParaRPr lang="zh-CN" altLang="en-US" b="1" dirty="0">
-              <a:solidFill>
-                <a:srgbClr val="FF0000"/>
-              </a:solidFill>
-              <a:latin typeface="仿宋" panose="02010609060101010101" pitchFamily="49" charset="-122"/>
-              <a:ea typeface="仿宋" panose="02010609060101010101" pitchFamily="49" charset="-122"/>
-            </a:endParaRPr>
-          </a:p>
-        </p:txBody>
-      </p:sp>
-      <p:sp>
-        <p:nvSpPr>
-          <p:cNvPr id="17" name="内容占位符 10"/>
-          <p:cNvSpPr txBox="1">
-            <a:spLocks/>
-          </p:cNvSpPr>
-          <p:nvPr/>
-        </p:nvSpPr>
-        <p:spPr>
-          <a:xfrm>
-            <a:off x="4685538" y="2107356"/>
-            <a:ext cx="3342846" cy="1550917"/>
-          </a:xfrm>
-          <a:prstGeom prst="rect">
-            <a:avLst/>
-          </a:prstGeom>
-        </p:spPr>
-        <p:txBody>
-          <a:bodyPr vert="horz" lIns="34290" tIns="34290" rIns="34290" bIns="34290" rtlCol="0">
-            <a:normAutofit/>
-          </a:bodyPr>
-          <a:lstStyle>
-            <a:lvl1pPr marL="91440" indent="-91440" algn="l" defTabSz="914400" rtl="0" eaLnBrk="1" latinLnBrk="0" hangingPunct="1">
-              <a:lnSpc>
-                <a:spcPct val="90000"/>
-              </a:lnSpc>
-              <a:spcBef>
-                <a:spcPts val="1200"/>
-              </a:spcBef>
-              <a:spcAft>
-                <a:spcPts val="200"/>
-              </a:spcAft>
-              <a:buClr>
-                <a:schemeClr val="accent1"/>
-              </a:buClr>
-              <a:buSzPct val="100000"/>
-              <a:buFont typeface="Tw Cen MT" panose="020B0602020104020603" pitchFamily="34" charset="0"/>
-              <a:buChar char=" "/>
-              <a:defRPr sz="2200" kern="1200">
-                <a:solidFill>
-                  <a:schemeClr val="tx1"/>
-                </a:solidFill>
-                <a:latin typeface="+mn-lt"/>
-                <a:ea typeface="+mn-ea"/>
-                <a:cs typeface="+mn-cs"/>
-              </a:defRPr>
-            </a:lvl1pPr>
-            <a:lvl2pPr marL="265176" indent="-137160" algn="l" defTabSz="914400" rtl="0" eaLnBrk="1" latinLnBrk="0" hangingPunct="1">
-              <a:lnSpc>
-                <a:spcPct val="90000"/>
-              </a:lnSpc>
-              <a:spcBef>
-                <a:spcPts val="200"/>
-              </a:spcBef>
-              <a:spcAft>
-                <a:spcPts val="400"/>
-              </a:spcAft>
-              <a:buClr>
-                <a:schemeClr val="accent1"/>
-              </a:buClr>
-              <a:buFont typeface="Wingdings 3" pitchFamily="18" charset="2"/>
-              <a:buChar char=""/>
-              <a:defRPr sz="1800" kern="1200">
-                <a:solidFill>
-                  <a:schemeClr val="tx1"/>
-                </a:solidFill>
-                <a:latin typeface="+mn-lt"/>
-                <a:ea typeface="+mn-ea"/>
-                <a:cs typeface="+mn-cs"/>
-              </a:defRPr>
-            </a:lvl2pPr>
-            <a:lvl3pPr marL="448056" indent="-137160" algn="l" defTabSz="914400" rtl="0" eaLnBrk="1" latinLnBrk="0" hangingPunct="1">
-              <a:lnSpc>
-                <a:spcPct val="90000"/>
-              </a:lnSpc>
-              <a:spcBef>
-                <a:spcPts val="200"/>
-              </a:spcBef>
-              <a:spcAft>
-                <a:spcPts val="400"/>
-              </a:spcAft>
-              <a:buClr>
-                <a:schemeClr val="accent1"/>
-              </a:buClr>
-              <a:buFont typeface="Wingdings 3" pitchFamily="18" charset="2"/>
-              <a:buChar char=""/>
-              <a:defRPr sz="1400" kern="1200">
-                <a:solidFill>
-                  <a:schemeClr val="tx1"/>
-                </a:solidFill>
-                <a:latin typeface="+mn-lt"/>
-                <a:ea typeface="+mn-ea"/>
-                <a:cs typeface="+mn-cs"/>
-              </a:defRPr>
-            </a:lvl3pPr>
-            <a:lvl4pPr marL="594360" indent="-137160" algn="l" defTabSz="914400" rtl="0" eaLnBrk="1" latinLnBrk="0" hangingPunct="1">
-              <a:lnSpc>
-                <a:spcPct val="90000"/>
-              </a:lnSpc>
-              <a:spcBef>
-                <a:spcPts val="200"/>
-              </a:spcBef>
-              <a:spcAft>
-                <a:spcPts val="400"/>
-              </a:spcAft>
-              <a:buClr>
-                <a:schemeClr val="accent1"/>
-              </a:buClr>
-              <a:buFont typeface="Wingdings 3" pitchFamily="18" charset="2"/>
-              <a:buChar char=""/>
-              <a:defRPr sz="1400" kern="1200">
-                <a:solidFill>
-                  <a:schemeClr val="tx1"/>
-                </a:solidFill>
-                <a:latin typeface="+mn-lt"/>
-                <a:ea typeface="+mn-ea"/>
-                <a:cs typeface="+mn-cs"/>
-              </a:defRPr>
-            </a:lvl4pPr>
-            <a:lvl5pPr marL="777240" indent="-137160" algn="l" defTabSz="914400" rtl="0" eaLnBrk="1" latinLnBrk="0" hangingPunct="1">
-              <a:lnSpc>
-                <a:spcPct val="90000"/>
-              </a:lnSpc>
-              <a:spcBef>
-                <a:spcPts val="200"/>
-              </a:spcBef>
-              <a:spcAft>
-                <a:spcPts val="400"/>
-              </a:spcAft>
-              <a:buClr>
-                <a:schemeClr val="accent1"/>
-              </a:buClr>
-              <a:buFont typeface="Wingdings 3" pitchFamily="18" charset="2"/>
-              <a:buChar char=""/>
-              <a:defRPr sz="1400" kern="1200">
-                <a:solidFill>
-                  <a:schemeClr val="tx1"/>
-                </a:solidFill>
-                <a:latin typeface="+mn-lt"/>
-                <a:ea typeface="+mn-ea"/>
-                <a:cs typeface="+mn-cs"/>
-              </a:defRPr>
-            </a:lvl5pPr>
-            <a:lvl6pPr marL="914400" indent="-137160" algn="l" defTabSz="914400" rtl="0" eaLnBrk="1" latinLnBrk="0" hangingPunct="1">
-              <a:lnSpc>
-                <a:spcPct val="90000"/>
-              </a:lnSpc>
-              <a:spcBef>
-                <a:spcPts val="200"/>
-              </a:spcBef>
-              <a:spcAft>
-                <a:spcPts val="400"/>
-              </a:spcAft>
-              <a:buClr>
-                <a:schemeClr val="accent1"/>
-              </a:buClr>
-              <a:buFont typeface="Wingdings 3" pitchFamily="18" charset="2"/>
-              <a:buChar char=""/>
-              <a:defRPr sz="1400" kern="1200">
-                <a:solidFill>
-                  <a:schemeClr val="tx1"/>
-                </a:solidFill>
-                <a:latin typeface="+mn-lt"/>
-                <a:ea typeface="+mn-ea"/>
-                <a:cs typeface="+mn-cs"/>
-              </a:defRPr>
-            </a:lvl6pPr>
-            <a:lvl7pPr marL="1060704" indent="-137160" algn="l" defTabSz="914400" rtl="0" eaLnBrk="1" latinLnBrk="0" hangingPunct="1">
-              <a:lnSpc>
-                <a:spcPct val="90000"/>
-              </a:lnSpc>
-              <a:spcBef>
-                <a:spcPts val="200"/>
-              </a:spcBef>
-              <a:spcAft>
-                <a:spcPts val="400"/>
-              </a:spcAft>
-              <a:buClr>
-                <a:schemeClr val="accent1"/>
-              </a:buClr>
-              <a:buFont typeface="Wingdings 3" pitchFamily="18" charset="2"/>
-              <a:buChar char=""/>
-              <a:defRPr sz="1400" kern="1200">
-                <a:solidFill>
-                  <a:schemeClr val="tx1"/>
-                </a:solidFill>
-                <a:latin typeface="+mn-lt"/>
-                <a:ea typeface="+mn-ea"/>
-                <a:cs typeface="+mn-cs"/>
-              </a:defRPr>
-            </a:lvl7pPr>
-            <a:lvl8pPr marL="1216152" indent="-137160" algn="l" defTabSz="914400" rtl="0" eaLnBrk="1" latinLnBrk="0" hangingPunct="1">
-              <a:lnSpc>
-                <a:spcPct val="90000"/>
-              </a:lnSpc>
-              <a:spcBef>
-                <a:spcPts val="200"/>
-              </a:spcBef>
-              <a:spcAft>
-                <a:spcPts val="400"/>
-              </a:spcAft>
-              <a:buClr>
-                <a:schemeClr val="accent1"/>
-              </a:buClr>
-              <a:buFont typeface="Wingdings 3" pitchFamily="18" charset="2"/>
-              <a:buChar char=""/>
-              <a:defRPr sz="1400" kern="1200">
-                <a:solidFill>
-                  <a:schemeClr val="tx1"/>
-                </a:solidFill>
-                <a:latin typeface="+mn-lt"/>
-                <a:ea typeface="+mn-ea"/>
-                <a:cs typeface="+mn-cs"/>
-              </a:defRPr>
-            </a:lvl8pPr>
-            <a:lvl9pPr marL="1362456" indent="-137160" algn="l" defTabSz="914400" rtl="0" eaLnBrk="1" latinLnBrk="0" hangingPunct="1">
-              <a:lnSpc>
-                <a:spcPct val="90000"/>
-              </a:lnSpc>
-              <a:spcBef>
-                <a:spcPts val="200"/>
-              </a:spcBef>
-              <a:spcAft>
-                <a:spcPts val="400"/>
-              </a:spcAft>
-              <a:buClr>
-                <a:schemeClr val="accent1"/>
-              </a:buClr>
-              <a:buFont typeface="Wingdings 3" pitchFamily="18" charset="2"/>
-              <a:buChar char=""/>
-              <a:defRPr sz="1400" kern="1200">
-                <a:solidFill>
-                  <a:schemeClr val="tx1"/>
-                </a:solidFill>
-                <a:latin typeface="+mn-lt"/>
-                <a:ea typeface="+mn-ea"/>
-                <a:cs typeface="+mn-cs"/>
-              </a:defRPr>
-            </a:lvl9pPr>
-          </a:lstStyle>
-          <a:p>
-            <a:r>
-              <a:rPr lang="zh-CN" altLang="zh-CN" sz="1600" dirty="0" smtClean="0"/>
-              <a:t>企业管理</a:t>
-            </a:r>
-            <a:r>
-              <a:rPr lang="zh-CN" altLang="zh-CN" sz="1600" dirty="0"/>
-              <a:t>者</a:t>
-            </a:r>
-            <a:r>
-              <a:rPr lang="zh-CN" altLang="zh-CN" sz="1600" dirty="0" smtClean="0"/>
-              <a:t>如果</a:t>
-            </a:r>
-            <a:r>
-              <a:rPr lang="zh-CN" altLang="en-US" sz="1600" dirty="0" smtClean="0"/>
-              <a:t>能</a:t>
-            </a:r>
-            <a:r>
-              <a:rPr lang="zh-CN" altLang="zh-CN" sz="1600" dirty="0" smtClean="0"/>
-              <a:t>及时掌握相关信息</a:t>
-            </a:r>
-            <a:r>
-              <a:rPr lang="zh-CN" altLang="zh-CN" sz="1600" dirty="0"/>
-              <a:t>，就能在关键时刻做出合适的决策，避免错失</a:t>
-            </a:r>
-            <a:r>
-              <a:rPr lang="zh-CN" altLang="zh-CN" sz="1600" dirty="0" smtClean="0"/>
-              <a:t>商机</a:t>
-            </a:r>
-            <a:r>
-              <a:rPr lang="zh-CN" altLang="en-US" sz="1600" dirty="0" smtClean="0"/>
-              <a:t>；</a:t>
-            </a:r>
-            <a:endParaRPr lang="en-US" altLang="zh-CN" sz="1600" dirty="0"/>
-          </a:p>
-          <a:p>
-            <a:r>
-              <a:rPr lang="zh-CN" altLang="zh-CN" sz="1600" dirty="0"/>
-              <a:t>个人的成功很大程度上也取决于其是否能及时地获取需要的</a:t>
-            </a:r>
-            <a:r>
-              <a:rPr lang="zh-CN" altLang="zh-CN" sz="1600" dirty="0" smtClean="0"/>
-              <a:t>信息</a:t>
-            </a:r>
-            <a:r>
-              <a:rPr lang="zh-CN" altLang="en-US" sz="1600" dirty="0" smtClean="0"/>
-              <a:t>。</a:t>
-            </a:r>
-            <a:endParaRPr lang="zh-CN" altLang="en-US" sz="1600" dirty="0"/>
-          </a:p>
-        </p:txBody>
-      </p:sp>
-      <p:sp>
-        <p:nvSpPr>
-          <p:cNvPr id="19" name="文本框 18"/>
-          <p:cNvSpPr txBox="1"/>
-          <p:nvPr/>
-        </p:nvSpPr>
-        <p:spPr>
-          <a:xfrm>
-            <a:off x="5145378" y="3765026"/>
-            <a:ext cx="2492990" cy="369332"/>
-          </a:xfrm>
-          <a:prstGeom prst="rect">
-            <a:avLst/>
-          </a:prstGeom>
-          <a:noFill/>
-        </p:spPr>
-        <p:txBody>
-          <a:bodyPr wrap="none" rtlCol="0">
-            <a:spAutoFit/>
-          </a:bodyPr>
-          <a:lstStyle/>
-          <a:p>
-            <a:r>
-              <a:rPr lang="zh-CN" altLang="en-US" b="1" dirty="0" smtClean="0">
-                <a:solidFill>
-                  <a:srgbClr val="FF0000"/>
-                </a:solidFill>
-                <a:latin typeface="+mj-ea"/>
-                <a:ea typeface="+mj-ea"/>
-              </a:rPr>
-              <a:t>及时获取信息尤为</a:t>
-            </a:r>
-            <a:r>
-              <a:rPr lang="zh-CN" altLang="en-US" b="1" dirty="0">
-                <a:solidFill>
-                  <a:srgbClr val="FF0000"/>
-                </a:solidFill>
-                <a:latin typeface="+mj-ea"/>
-                <a:ea typeface="+mj-ea"/>
-              </a:rPr>
-              <a:t>重要</a:t>
-            </a:r>
-          </a:p>
-        </p:txBody>
-      </p:sp>
-      <p:sp>
-        <p:nvSpPr>
-          <p:cNvPr id="20" name="文本框 19"/>
-          <p:cNvSpPr txBox="1"/>
-          <p:nvPr/>
-        </p:nvSpPr>
-        <p:spPr>
-          <a:xfrm>
-            <a:off x="4626364" y="4857110"/>
-            <a:ext cx="3474028" cy="300082"/>
-          </a:xfrm>
-          <a:prstGeom prst="rect">
-            <a:avLst/>
-          </a:prstGeom>
-          <a:noFill/>
-        </p:spPr>
-        <p:txBody>
-          <a:bodyPr wrap="none" rtlCol="0">
-            <a:spAutoFit/>
-          </a:bodyPr>
-          <a:lstStyle/>
-          <a:p>
-            <a:r>
-              <a:rPr lang="zh-CN" altLang="en-US" sz="1350" b="1" dirty="0"/>
-              <a:t>实际应用</a:t>
-            </a:r>
-            <a:r>
-              <a:rPr lang="zh-CN" altLang="en-US" sz="1350" dirty="0" smtClean="0"/>
-              <a:t>：及时推信息推送系统项目</a:t>
-            </a:r>
-            <a:r>
-              <a:rPr lang="zh-CN" altLang="en-US" sz="1350" dirty="0"/>
-              <a:t>的需要</a:t>
-            </a:r>
-          </a:p>
-        </p:txBody>
-      </p:sp>
-      <p:sp>
-        <p:nvSpPr>
-          <p:cNvPr id="21" name="文本框 20"/>
-          <p:cNvSpPr txBox="1"/>
-          <p:nvPr/>
-        </p:nvSpPr>
-        <p:spPr>
-          <a:xfrm>
-            <a:off x="5001466" y="4381025"/>
-            <a:ext cx="2723823" cy="369332"/>
-          </a:xfrm>
-          <a:prstGeom prst="rect">
-            <a:avLst/>
-          </a:prstGeom>
-          <a:noFill/>
-        </p:spPr>
-        <p:txBody>
-          <a:bodyPr wrap="none" rtlCol="0">
-            <a:spAutoFit/>
-          </a:bodyPr>
-          <a:lstStyle/>
-          <a:p>
-            <a:r>
-              <a:rPr lang="zh-CN" altLang="en-US" dirty="0" smtClean="0">
-                <a:latin typeface="+mn-ea"/>
-              </a:rPr>
-              <a:t>个性化信息推送系统诞生</a:t>
-            </a:r>
-            <a:endParaRPr lang="zh-CN" altLang="en-US" dirty="0">
-              <a:latin typeface="+mn-ea"/>
-            </a:endParaRPr>
-          </a:p>
-        </p:txBody>
-      </p:sp>
-      <p:sp>
-        <p:nvSpPr>
-          <p:cNvPr id="22" name="内容占位符 10"/>
-          <p:cNvSpPr txBox="1">
-            <a:spLocks/>
-          </p:cNvSpPr>
-          <p:nvPr/>
-        </p:nvSpPr>
-        <p:spPr>
-          <a:xfrm>
-            <a:off x="620377" y="2107356"/>
-            <a:ext cx="3403854" cy="2195202"/>
-          </a:xfrm>
-          <a:prstGeom prst="rect">
-            <a:avLst/>
-          </a:prstGeom>
-        </p:spPr>
-        <p:txBody>
-          <a:bodyPr vert="horz" lIns="34290" tIns="34290" rIns="34290" bIns="34290" rtlCol="0">
-            <a:noAutofit/>
-          </a:bodyPr>
-          <a:lstStyle>
-            <a:lvl1pPr marL="91440" indent="-91440" algn="l" defTabSz="914400" rtl="0" eaLnBrk="1" latinLnBrk="0" hangingPunct="1">
-              <a:lnSpc>
-                <a:spcPct val="90000"/>
-              </a:lnSpc>
-              <a:spcBef>
-                <a:spcPts val="1200"/>
-              </a:spcBef>
-              <a:spcAft>
-                <a:spcPts val="200"/>
-              </a:spcAft>
-              <a:buClr>
-                <a:schemeClr val="accent1"/>
-              </a:buClr>
-              <a:buSzPct val="100000"/>
-              <a:buFont typeface="Tw Cen MT" panose="020B0602020104020603" pitchFamily="34" charset="0"/>
-              <a:buChar char=" "/>
-              <a:defRPr sz="2200" kern="1200">
-                <a:solidFill>
-                  <a:schemeClr val="tx1"/>
-                </a:solidFill>
-                <a:latin typeface="+mn-lt"/>
-                <a:ea typeface="+mn-ea"/>
-                <a:cs typeface="+mn-cs"/>
-              </a:defRPr>
-            </a:lvl1pPr>
-            <a:lvl2pPr marL="265176" indent="-137160" algn="l" defTabSz="914400" rtl="0" eaLnBrk="1" latinLnBrk="0" hangingPunct="1">
-              <a:lnSpc>
-                <a:spcPct val="90000"/>
-              </a:lnSpc>
-              <a:spcBef>
-                <a:spcPts val="200"/>
-              </a:spcBef>
-              <a:spcAft>
-                <a:spcPts val="400"/>
-              </a:spcAft>
-              <a:buClr>
-                <a:schemeClr val="accent1"/>
-              </a:buClr>
-              <a:buFont typeface="Wingdings 3" pitchFamily="18" charset="2"/>
-              <a:buChar char=""/>
-              <a:defRPr sz="1800" kern="1200">
-                <a:solidFill>
-                  <a:schemeClr val="tx1"/>
-                </a:solidFill>
-                <a:latin typeface="+mn-lt"/>
-                <a:ea typeface="+mn-ea"/>
-                <a:cs typeface="+mn-cs"/>
-              </a:defRPr>
-            </a:lvl2pPr>
-            <a:lvl3pPr marL="448056" indent="-137160" algn="l" defTabSz="914400" rtl="0" eaLnBrk="1" latinLnBrk="0" hangingPunct="1">
-              <a:lnSpc>
-                <a:spcPct val="90000"/>
-              </a:lnSpc>
-              <a:spcBef>
-                <a:spcPts val="200"/>
-              </a:spcBef>
-              <a:spcAft>
-                <a:spcPts val="400"/>
-              </a:spcAft>
-              <a:buClr>
-                <a:schemeClr val="accent1"/>
-              </a:buClr>
-              <a:buFont typeface="Wingdings 3" pitchFamily="18" charset="2"/>
-              <a:buChar char=""/>
-              <a:defRPr sz="1400" kern="1200">
-                <a:solidFill>
-                  <a:schemeClr val="tx1"/>
-                </a:solidFill>
-                <a:latin typeface="+mn-lt"/>
-                <a:ea typeface="+mn-ea"/>
-                <a:cs typeface="+mn-cs"/>
-              </a:defRPr>
-            </a:lvl3pPr>
-            <a:lvl4pPr marL="594360" indent="-137160" algn="l" defTabSz="914400" rtl="0" eaLnBrk="1" latinLnBrk="0" hangingPunct="1">
-              <a:lnSpc>
-                <a:spcPct val="90000"/>
-              </a:lnSpc>
-              <a:spcBef>
-                <a:spcPts val="200"/>
-              </a:spcBef>
-              <a:spcAft>
-                <a:spcPts val="400"/>
-              </a:spcAft>
-              <a:buClr>
-                <a:schemeClr val="accent1"/>
-              </a:buClr>
-              <a:buFont typeface="Wingdings 3" pitchFamily="18" charset="2"/>
-              <a:buChar char=""/>
-              <a:defRPr sz="1400" kern="1200">
-                <a:solidFill>
-                  <a:schemeClr val="tx1"/>
-                </a:solidFill>
-                <a:latin typeface="+mn-lt"/>
-                <a:ea typeface="+mn-ea"/>
-                <a:cs typeface="+mn-cs"/>
-              </a:defRPr>
-            </a:lvl4pPr>
-            <a:lvl5pPr marL="777240" indent="-137160" algn="l" defTabSz="914400" rtl="0" eaLnBrk="1" latinLnBrk="0" hangingPunct="1">
-              <a:lnSpc>
-                <a:spcPct val="90000"/>
-              </a:lnSpc>
-              <a:spcBef>
-                <a:spcPts val="200"/>
-              </a:spcBef>
-              <a:spcAft>
-                <a:spcPts val="400"/>
-              </a:spcAft>
-              <a:buClr>
-                <a:schemeClr val="accent1"/>
-              </a:buClr>
-              <a:buFont typeface="Wingdings 3" pitchFamily="18" charset="2"/>
-              <a:buChar char=""/>
-              <a:defRPr sz="1400" kern="1200">
-                <a:solidFill>
-                  <a:schemeClr val="tx1"/>
-                </a:solidFill>
-                <a:latin typeface="+mn-lt"/>
-                <a:ea typeface="+mn-ea"/>
-                <a:cs typeface="+mn-cs"/>
-              </a:defRPr>
-            </a:lvl5pPr>
-            <a:lvl6pPr marL="914400" indent="-137160" algn="l" defTabSz="914400" rtl="0" eaLnBrk="1" latinLnBrk="0" hangingPunct="1">
-              <a:lnSpc>
-                <a:spcPct val="90000"/>
-              </a:lnSpc>
-              <a:spcBef>
-                <a:spcPts val="200"/>
-              </a:spcBef>
-              <a:spcAft>
-                <a:spcPts val="400"/>
-              </a:spcAft>
-              <a:buClr>
-                <a:schemeClr val="accent1"/>
-              </a:buClr>
-              <a:buFont typeface="Wingdings 3" pitchFamily="18" charset="2"/>
-              <a:buChar char=""/>
-              <a:defRPr sz="1400" kern="1200">
-                <a:solidFill>
-                  <a:schemeClr val="tx1"/>
-                </a:solidFill>
-                <a:latin typeface="+mn-lt"/>
-                <a:ea typeface="+mn-ea"/>
-                <a:cs typeface="+mn-cs"/>
-              </a:defRPr>
-            </a:lvl6pPr>
-            <a:lvl7pPr marL="1060704" indent="-137160" algn="l" defTabSz="914400" rtl="0" eaLnBrk="1" latinLnBrk="0" hangingPunct="1">
-              <a:lnSpc>
-                <a:spcPct val="90000"/>
-              </a:lnSpc>
-              <a:spcBef>
-                <a:spcPts val="200"/>
-              </a:spcBef>
-              <a:spcAft>
-                <a:spcPts val="400"/>
-              </a:spcAft>
-              <a:buClr>
-                <a:schemeClr val="accent1"/>
-              </a:buClr>
-              <a:buFont typeface="Wingdings 3" pitchFamily="18" charset="2"/>
-              <a:buChar char=""/>
-              <a:defRPr sz="1400" kern="1200">
-                <a:solidFill>
-                  <a:schemeClr val="tx1"/>
-                </a:solidFill>
-                <a:latin typeface="+mn-lt"/>
-                <a:ea typeface="+mn-ea"/>
-                <a:cs typeface="+mn-cs"/>
-              </a:defRPr>
-            </a:lvl7pPr>
-            <a:lvl8pPr marL="1216152" indent="-137160" algn="l" defTabSz="914400" rtl="0" eaLnBrk="1" latinLnBrk="0" hangingPunct="1">
-              <a:lnSpc>
-                <a:spcPct val="90000"/>
-              </a:lnSpc>
-              <a:spcBef>
-                <a:spcPts val="200"/>
-              </a:spcBef>
-              <a:spcAft>
-                <a:spcPts val="400"/>
-              </a:spcAft>
-              <a:buClr>
-                <a:schemeClr val="accent1"/>
-              </a:buClr>
-              <a:buFont typeface="Wingdings 3" pitchFamily="18" charset="2"/>
-              <a:buChar char=""/>
-              <a:defRPr sz="1400" kern="1200">
-                <a:solidFill>
-                  <a:schemeClr val="tx1"/>
-                </a:solidFill>
-                <a:latin typeface="+mn-lt"/>
-                <a:ea typeface="+mn-ea"/>
-                <a:cs typeface="+mn-cs"/>
-              </a:defRPr>
-            </a:lvl8pPr>
-            <a:lvl9pPr marL="1362456" indent="-137160" algn="l" defTabSz="914400" rtl="0" eaLnBrk="1" latinLnBrk="0" hangingPunct="1">
-              <a:lnSpc>
-                <a:spcPct val="90000"/>
-              </a:lnSpc>
-              <a:spcBef>
-                <a:spcPts val="200"/>
-              </a:spcBef>
-              <a:spcAft>
-                <a:spcPts val="400"/>
-              </a:spcAft>
-              <a:buClr>
-                <a:schemeClr val="accent1"/>
-              </a:buClr>
-              <a:buFont typeface="Wingdings 3" pitchFamily="18" charset="2"/>
-              <a:buChar char=""/>
-              <a:defRPr sz="1400" kern="1200">
-                <a:solidFill>
-                  <a:schemeClr val="tx1"/>
-                </a:solidFill>
-                <a:latin typeface="+mn-lt"/>
-                <a:ea typeface="+mn-ea"/>
-                <a:cs typeface="+mn-cs"/>
-              </a:defRPr>
-            </a:lvl9pPr>
-          </a:lstStyle>
-          <a:p>
-            <a:r>
-              <a:rPr lang="zh-CN" altLang="zh-CN" sz="1600" dirty="0" smtClean="0"/>
-              <a:t>当今</a:t>
-            </a:r>
-            <a:r>
-              <a:rPr lang="zh-CN" altLang="zh-CN" sz="1600" dirty="0"/>
-              <a:t>网络上的信息正在以几何级数的速度增长</a:t>
-            </a:r>
-            <a:r>
-              <a:rPr lang="zh-CN" altLang="zh-CN" sz="1600" dirty="0" smtClean="0"/>
-              <a:t>，互联网</a:t>
-            </a:r>
-            <a:r>
-              <a:rPr lang="zh-CN" altLang="zh-CN" sz="1600" dirty="0"/>
-              <a:t>上的文本数据达到了</a:t>
-            </a:r>
-            <a:r>
-              <a:rPr lang="en-US" altLang="zh-CN" sz="1600" b="1" dirty="0"/>
-              <a:t>100</a:t>
-            </a:r>
-            <a:r>
-              <a:rPr lang="zh-CN" altLang="zh-CN" sz="1600" dirty="0"/>
-              <a:t>亿</a:t>
-            </a:r>
-            <a:r>
-              <a:rPr lang="zh-CN" altLang="zh-CN" sz="1600" dirty="0" smtClean="0"/>
-              <a:t>条</a:t>
-            </a:r>
-            <a:r>
-              <a:rPr lang="zh-CN" altLang="en-US" sz="1600" dirty="0" smtClean="0"/>
-              <a:t>；</a:t>
-            </a:r>
-            <a:endParaRPr lang="en-US" altLang="zh-CN" sz="1600" dirty="0"/>
-          </a:p>
-          <a:p>
-            <a:r>
-              <a:rPr lang="zh-CN" altLang="zh-CN" sz="1600" dirty="0"/>
-              <a:t>网络上</a:t>
-            </a:r>
-            <a:r>
-              <a:rPr lang="zh-CN" altLang="zh-CN" sz="1600" dirty="0" smtClean="0"/>
-              <a:t>的信息</a:t>
-            </a:r>
-            <a:r>
-              <a:rPr lang="zh-CN" altLang="zh-CN" sz="1600" dirty="0"/>
-              <a:t>没有任何规律和结构特征，人们</a:t>
-            </a:r>
-            <a:r>
-              <a:rPr lang="zh-CN" altLang="zh-CN" sz="1600" dirty="0" smtClean="0"/>
-              <a:t>很难准确</a:t>
-            </a:r>
-            <a:r>
-              <a:rPr lang="zh-CN" altLang="zh-CN" sz="1600" dirty="0"/>
-              <a:t>找到对自己有用的</a:t>
-            </a:r>
-            <a:r>
-              <a:rPr lang="zh-CN" altLang="zh-CN" sz="1600" dirty="0" smtClean="0"/>
-              <a:t>信息</a:t>
-            </a:r>
-            <a:r>
-              <a:rPr lang="zh-CN" altLang="en-US" sz="1600" dirty="0" smtClean="0"/>
-              <a:t>；</a:t>
-            </a:r>
-            <a:endParaRPr lang="en-US" altLang="zh-CN" sz="1600" dirty="0" smtClean="0"/>
-          </a:p>
-          <a:p>
-            <a:r>
-              <a:rPr lang="zh-CN" altLang="zh-CN" sz="1600" dirty="0"/>
-              <a:t>传统的搜索引擎已经不能满足用户对特定领域和主题的搜索</a:t>
-            </a:r>
-            <a:r>
-              <a:rPr lang="zh-CN" altLang="zh-CN" sz="1600" dirty="0" smtClean="0"/>
-              <a:t>需求</a:t>
-            </a:r>
-            <a:r>
-              <a:rPr lang="zh-CN" altLang="en-US" sz="1600" dirty="0"/>
-              <a:t>。</a:t>
-            </a:r>
-          </a:p>
-        </p:txBody>
-      </p:sp>
-      <p:sp>
-        <p:nvSpPr>
-          <p:cNvPr id="23" name="标题 1"/>
-          <p:cNvSpPr>
-            <a:spLocks noGrp="1"/>
-          </p:cNvSpPr>
-          <p:nvPr>
-            <p:ph type="title"/>
-          </p:nvPr>
-        </p:nvSpPr>
-        <p:spPr>
-          <a:xfrm>
-            <a:off x="768096" y="585216"/>
-            <a:ext cx="7290054" cy="1499616"/>
-          </a:xfrm>
-        </p:spPr>
-        <p:txBody>
-          <a:bodyPr/>
-          <a:lstStyle/>
-          <a:p>
-            <a:r>
-              <a:rPr lang="zh-CN" altLang="en-US" dirty="0" smtClean="0"/>
-              <a:t>选题背景及意义</a:t>
-            </a:r>
-            <a:endParaRPr lang="zh-CN" altLang="en-US" dirty="0"/>
-          </a:p>
-        </p:txBody>
-      </p:sp>
       <p:sp>
         <p:nvSpPr>
           <p:cNvPr id="18" name="椭圆 17"/>
@@ -46859,12 +45976,12 @@
           <a:graphicData uri="http://schemas.openxmlformats.org/presentationml/2006/ole">
             <mc:AlternateContent xmlns:mc="http://schemas.openxmlformats.org/markup-compatibility/2006">
               <mc:Choice xmlns:v="urn:schemas-microsoft-com:vml" Requires="v">
-                <p:oleObj spid="_x0000_s34855" r:id="rId4" imgW="7048433" imgH="1571557" progId="Visio.Drawing.15">
+                <p:oleObj spid="_x0000_s34859" r:id="rId5" imgW="7048433" imgH="1571557" progId="Visio.Drawing.15">
                   <p:embed/>
                 </p:oleObj>
               </mc:Choice>
               <mc:Fallback>
-                <p:oleObj r:id="rId4" imgW="7048433" imgH="1571557" progId="Visio.Drawing.15">
+                <p:oleObj r:id="rId5" imgW="7048433" imgH="1571557" progId="Visio.Drawing.15">
                   <p:embed/>
                   <p:pic>
                     <p:nvPicPr>
@@ -46875,7 +45992,7 @@
                       <p:nvPr/>
                     </p:nvPicPr>
                     <p:blipFill>
-                      <a:blip r:embed="rId5">
+                      <a:blip r:embed="rId6">
                         <a:extLst>
                           <a:ext uri="{28A0092B-C50C-407E-A947-70E740481C1C}">
                             <a14:useLocalDpi xmlns:a14="http://schemas.microsoft.com/office/drawing/2010/main" val="0"/>
@@ -47036,8 +46153,8 @@
           </a:p>
         </p:txBody>
       </p:sp>
-      <mc:AlternateContent xmlns:mc="http://schemas.openxmlformats.org/markup-compatibility/2006">
-        <mc:Choice xmlns:a14="http://schemas.microsoft.com/office/drawing/2010/main" Requires="a14">
+      <mc:AlternateContent xmlns:mc="http://schemas.openxmlformats.org/markup-compatibility/2006" xmlns:a14="http://schemas.microsoft.com/office/drawing/2010/main">
+        <mc:Choice Requires="a14">
           <p:sp>
             <p:nvSpPr>
               <p:cNvPr id="6" name="文本框 5"/>
@@ -47083,11 +46200,7 @@
                 </a:r>
                 <a:r>
                   <a:rPr lang="zh-CN" altLang="en-US" dirty="0" smtClean="0"/>
-                  <a:t>如下</a:t>
-                </a:r>
-                <a:r>
-                  <a:rPr lang="zh-CN" altLang="en-US" dirty="0" smtClean="0"/>
-                  <a:t>：</a:t>
+                  <a:t>如下：</a:t>
                 </a:r>
                 <a:endParaRPr lang="en-US" altLang="zh-CN" dirty="0" smtClean="0"/>
               </a:p>
@@ -47103,19 +46216,11 @@
                 </a:r>
                 <a:r>
                   <a:rPr lang="zh-CN" altLang="en-US" dirty="0" smtClean="0"/>
-                  <a:t>）选择待爬取优先级队列</a:t>
-                </a:r>
-                <a:r>
-                  <a:rPr lang="zh-CN" altLang="en-US" dirty="0" smtClean="0"/>
-                  <a:t>中得分最高</a:t>
+                  <a:t>）选择待爬取优先级队列中得分最高</a:t>
                 </a:r>
                 <a:r>
                   <a:rPr lang="zh-CN" altLang="zh-CN" dirty="0" smtClean="0"/>
-                  <a:t>的</a:t>
-                </a:r>
-                <a:r>
-                  <a:rPr lang="zh-CN" altLang="zh-CN" dirty="0" smtClean="0"/>
-                  <a:t>链接</a:t>
+                  <a:t>的链接</a:t>
                 </a:r>
                 <a:r>
                   <a:rPr lang="zh-CN" altLang="en-US" dirty="0" smtClean="0"/>
@@ -47433,7 +46538,7 @@
             </p:txBody>
           </p:sp>
         </mc:Choice>
-        <mc:Fallback>
+        <mc:Fallback xmlns="">
           <p:sp>
             <p:nvSpPr>
               <p:cNvPr id="6" name="文本框 5"/>
